--- a/학습플랫폼/image.pptx
+++ b/학습플랫폼/image.pptx
@@ -17,30 +17,37 @@
     <p:sldId id="264" r:id="rId11"/>
     <p:sldId id="267" r:id="rId12"/>
     <p:sldId id="268" r:id="rId13"/>
-    <p:sldId id="269" r:id="rId14"/>
-    <p:sldId id="271" r:id="rId15"/>
-    <p:sldId id="275" r:id="rId16"/>
-    <p:sldId id="272" r:id="rId17"/>
-    <p:sldId id="273" r:id="rId18"/>
-    <p:sldId id="274" r:id="rId19"/>
-    <p:sldId id="276" r:id="rId20"/>
-    <p:sldId id="277" r:id="rId21"/>
-    <p:sldId id="280" r:id="rId22"/>
-    <p:sldId id="283" r:id="rId23"/>
-    <p:sldId id="279" r:id="rId24"/>
-    <p:sldId id="281" r:id="rId25"/>
-    <p:sldId id="282" r:id="rId26"/>
-    <p:sldId id="284" r:id="rId27"/>
-    <p:sldId id="285" r:id="rId28"/>
-    <p:sldId id="286" r:id="rId29"/>
-    <p:sldId id="287" r:id="rId30"/>
-    <p:sldId id="288" r:id="rId31"/>
-    <p:sldId id="290" r:id="rId32"/>
-    <p:sldId id="291" r:id="rId33"/>
-    <p:sldId id="292" r:id="rId34"/>
-    <p:sldId id="293" r:id="rId35"/>
-    <p:sldId id="295" r:id="rId36"/>
-    <p:sldId id="296" r:id="rId37"/>
+    <p:sldId id="304" r:id="rId14"/>
+    <p:sldId id="269" r:id="rId15"/>
+    <p:sldId id="271" r:id="rId16"/>
+    <p:sldId id="275" r:id="rId17"/>
+    <p:sldId id="272" r:id="rId18"/>
+    <p:sldId id="273" r:id="rId19"/>
+    <p:sldId id="274" r:id="rId20"/>
+    <p:sldId id="276" r:id="rId21"/>
+    <p:sldId id="277" r:id="rId22"/>
+    <p:sldId id="280" r:id="rId23"/>
+    <p:sldId id="283" r:id="rId24"/>
+    <p:sldId id="279" r:id="rId25"/>
+    <p:sldId id="281" r:id="rId26"/>
+    <p:sldId id="282" r:id="rId27"/>
+    <p:sldId id="284" r:id="rId28"/>
+    <p:sldId id="285" r:id="rId29"/>
+    <p:sldId id="286" r:id="rId30"/>
+    <p:sldId id="287" r:id="rId31"/>
+    <p:sldId id="298" r:id="rId32"/>
+    <p:sldId id="299" r:id="rId33"/>
+    <p:sldId id="288" r:id="rId34"/>
+    <p:sldId id="290" r:id="rId35"/>
+    <p:sldId id="291" r:id="rId36"/>
+    <p:sldId id="292" r:id="rId37"/>
+    <p:sldId id="300" r:id="rId38"/>
+    <p:sldId id="301" r:id="rId39"/>
+    <p:sldId id="293" r:id="rId40"/>
+    <p:sldId id="295" r:id="rId41"/>
+    <p:sldId id="296" r:id="rId42"/>
+    <p:sldId id="302" r:id="rId43"/>
+    <p:sldId id="303" r:id="rId44"/>
   </p:sldIdLst>
   <p:sldSz cx="12192000" cy="6858000"/>
   <p:notesSz cx="6858000" cy="9144000"/>
@@ -139,6 +146,11 @@
       </a:defRPr>
     </a:lvl9pPr>
   </p:defaultTextStyle>
+  <p:extLst>
+    <p:ext uri="{EFAFB233-063F-42B5-8137-9DF3F51BA10A}">
+      <p15:sldGuideLst xmlns:p15="http://schemas.microsoft.com/office/powerpoint/2012/main"/>
+    </p:ext>
+  </p:extLst>
 </p:presentation>
 </file>
 
@@ -289,7 +301,7 @@
           <a:p>
             <a:fld id="{31AB8823-35DE-45EC-8818-C440C7ED500D}" type="datetimeFigureOut">
               <a:rPr lang="ko-KR" altLang="en-US" smtClean="0"/>
-              <a:t>2022-03-21</a:t>
+              <a:t>2022-03-22</a:t>
             </a:fld>
             <a:endParaRPr lang="ko-KR" altLang="en-US"/>
           </a:p>
@@ -487,7 +499,7 @@
           <a:p>
             <a:fld id="{31AB8823-35DE-45EC-8818-C440C7ED500D}" type="datetimeFigureOut">
               <a:rPr lang="ko-KR" altLang="en-US" smtClean="0"/>
-              <a:t>2022-03-21</a:t>
+              <a:t>2022-03-22</a:t>
             </a:fld>
             <a:endParaRPr lang="ko-KR" altLang="en-US"/>
           </a:p>
@@ -695,7 +707,7 @@
           <a:p>
             <a:fld id="{31AB8823-35DE-45EC-8818-C440C7ED500D}" type="datetimeFigureOut">
               <a:rPr lang="ko-KR" altLang="en-US" smtClean="0"/>
-              <a:t>2022-03-21</a:t>
+              <a:t>2022-03-22</a:t>
             </a:fld>
             <a:endParaRPr lang="ko-KR" altLang="en-US"/>
           </a:p>
@@ -893,7 +905,7 @@
           <a:p>
             <a:fld id="{31AB8823-35DE-45EC-8818-C440C7ED500D}" type="datetimeFigureOut">
               <a:rPr lang="ko-KR" altLang="en-US" smtClean="0"/>
-              <a:t>2022-03-21</a:t>
+              <a:t>2022-03-22</a:t>
             </a:fld>
             <a:endParaRPr lang="ko-KR" altLang="en-US"/>
           </a:p>
@@ -1168,7 +1180,7 @@
           <a:p>
             <a:fld id="{31AB8823-35DE-45EC-8818-C440C7ED500D}" type="datetimeFigureOut">
               <a:rPr lang="ko-KR" altLang="en-US" smtClean="0"/>
-              <a:t>2022-03-21</a:t>
+              <a:t>2022-03-22</a:t>
             </a:fld>
             <a:endParaRPr lang="ko-KR" altLang="en-US"/>
           </a:p>
@@ -1433,7 +1445,7 @@
           <a:p>
             <a:fld id="{31AB8823-35DE-45EC-8818-C440C7ED500D}" type="datetimeFigureOut">
               <a:rPr lang="ko-KR" altLang="en-US" smtClean="0"/>
-              <a:t>2022-03-21</a:t>
+              <a:t>2022-03-22</a:t>
             </a:fld>
             <a:endParaRPr lang="ko-KR" altLang="en-US"/>
           </a:p>
@@ -1845,7 +1857,7 @@
           <a:p>
             <a:fld id="{31AB8823-35DE-45EC-8818-C440C7ED500D}" type="datetimeFigureOut">
               <a:rPr lang="ko-KR" altLang="en-US" smtClean="0"/>
-              <a:t>2022-03-21</a:t>
+              <a:t>2022-03-22</a:t>
             </a:fld>
             <a:endParaRPr lang="ko-KR" altLang="en-US"/>
           </a:p>
@@ -1986,7 +1998,7 @@
           <a:p>
             <a:fld id="{31AB8823-35DE-45EC-8818-C440C7ED500D}" type="datetimeFigureOut">
               <a:rPr lang="ko-KR" altLang="en-US" smtClean="0"/>
-              <a:t>2022-03-21</a:t>
+              <a:t>2022-03-22</a:t>
             </a:fld>
             <a:endParaRPr lang="ko-KR" altLang="en-US"/>
           </a:p>
@@ -2099,7 +2111,7 @@
           <a:p>
             <a:fld id="{31AB8823-35DE-45EC-8818-C440C7ED500D}" type="datetimeFigureOut">
               <a:rPr lang="ko-KR" altLang="en-US" smtClean="0"/>
-              <a:t>2022-03-21</a:t>
+              <a:t>2022-03-22</a:t>
             </a:fld>
             <a:endParaRPr lang="ko-KR" altLang="en-US"/>
           </a:p>
@@ -2410,7 +2422,7 @@
           <a:p>
             <a:fld id="{31AB8823-35DE-45EC-8818-C440C7ED500D}" type="datetimeFigureOut">
               <a:rPr lang="ko-KR" altLang="en-US" smtClean="0"/>
-              <a:t>2022-03-21</a:t>
+              <a:t>2022-03-22</a:t>
             </a:fld>
             <a:endParaRPr lang="ko-KR" altLang="en-US"/>
           </a:p>
@@ -2698,7 +2710,7 @@
           <a:p>
             <a:fld id="{31AB8823-35DE-45EC-8818-C440C7ED500D}" type="datetimeFigureOut">
               <a:rPr lang="ko-KR" altLang="en-US" smtClean="0"/>
-              <a:t>2022-03-21</a:t>
+              <a:t>2022-03-22</a:t>
             </a:fld>
             <a:endParaRPr lang="ko-KR" altLang="en-US"/>
           </a:p>
@@ -2939,7 +2951,7 @@
           <a:p>
             <a:fld id="{31AB8823-35DE-45EC-8818-C440C7ED500D}" type="datetimeFigureOut">
               <a:rPr lang="ko-KR" altLang="en-US" smtClean="0"/>
-              <a:t>2022-03-21</a:t>
+              <a:t>2022-03-22</a:t>
             </a:fld>
             <a:endParaRPr lang="ko-KR" altLang="en-US"/>
           </a:p>
@@ -3809,6 +3821,66 @@
           <a:chExt cx="0" cy="0"/>
         </a:xfrm>
       </p:grpSpPr>
+      <p:pic>
+        <p:nvPicPr>
+          <p:cNvPr id="5" name="그림 4">
+            <a:extLst>
+              <a:ext uri="{FF2B5EF4-FFF2-40B4-BE49-F238E27FC236}">
+                <a16:creationId xmlns:a16="http://schemas.microsoft.com/office/drawing/2014/main" id="{5D0BB688-126F-4C02-A6CA-92E2832215E9}"/>
+              </a:ext>
+            </a:extLst>
+          </p:cNvPr>
+          <p:cNvPicPr>
+            <a:picLocks noChangeAspect="1"/>
+          </p:cNvPicPr>
+          <p:nvPr/>
+        </p:nvPicPr>
+        <p:blipFill>
+          <a:blip r:embed="rId2"/>
+          <a:stretch>
+            <a:fillRect/>
+          </a:stretch>
+        </p:blipFill>
+        <p:spPr>
+          <a:xfrm>
+            <a:off x="2567788" y="0"/>
+            <a:ext cx="7056423" cy="6858000"/>
+          </a:xfrm>
+          <a:prstGeom prst="rect">
+            <a:avLst/>
+          </a:prstGeom>
+        </p:spPr>
+      </p:pic>
+    </p:spTree>
+    <p:extLst>
+      <p:ext uri="{BB962C8B-B14F-4D97-AF65-F5344CB8AC3E}">
+        <p14:creationId xmlns:p14="http://schemas.microsoft.com/office/powerpoint/2010/main" val="2369773583"/>
+      </p:ext>
+    </p:extLst>
+  </p:cSld>
+  <p:clrMapOvr>
+    <a:masterClrMapping/>
+  </p:clrMapOvr>
+</p:sld>
+</file>
+
+<file path=ppt/slides/slide14.xml><?xml version="1.0" encoding="utf-8"?>
+<p:sld xmlns:a="http://schemas.openxmlformats.org/drawingml/2006/main" xmlns:r="http://schemas.openxmlformats.org/officeDocument/2006/relationships" xmlns:p="http://schemas.openxmlformats.org/presentationml/2006/main">
+  <p:cSld>
+    <p:spTree>
+      <p:nvGrpSpPr>
+        <p:cNvPr id="1" name=""/>
+        <p:cNvGrpSpPr/>
+        <p:nvPr/>
+      </p:nvGrpSpPr>
+      <p:grpSpPr>
+        <a:xfrm>
+          <a:off x="0" y="0"/>
+          <a:ext cx="0" cy="0"/>
+          <a:chOff x="0" y="0"/>
+          <a:chExt cx="0" cy="0"/>
+        </a:xfrm>
+      </p:grpSpPr>
       <p:grpSp>
         <p:nvGrpSpPr>
           <p:cNvPr id="14" name="그룹 13">
@@ -4257,7 +4329,7 @@
 </p:sld>
 </file>
 
-<file path=ppt/slides/slide14.xml><?xml version="1.0" encoding="utf-8"?>
+<file path=ppt/slides/slide15.xml><?xml version="1.0" encoding="utf-8"?>
 <p:sld xmlns:a="http://schemas.openxmlformats.org/drawingml/2006/main" xmlns:r="http://schemas.openxmlformats.org/officeDocument/2006/relationships" xmlns:p="http://schemas.openxmlformats.org/presentationml/2006/main">
   <p:cSld>
     <p:spTree>
@@ -4722,7 +4794,7 @@
 </p:sld>
 </file>
 
-<file path=ppt/slides/slide15.xml><?xml version="1.0" encoding="utf-8"?>
+<file path=ppt/slides/slide16.xml><?xml version="1.0" encoding="utf-8"?>
 <p:sld xmlns:a="http://schemas.openxmlformats.org/drawingml/2006/main" xmlns:r="http://schemas.openxmlformats.org/officeDocument/2006/relationships" xmlns:p="http://schemas.openxmlformats.org/presentationml/2006/main">
   <p:cSld>
     <p:spTree>
@@ -4782,7 +4854,7 @@
 </p:sld>
 </file>
 
-<file path=ppt/slides/slide16.xml><?xml version="1.0" encoding="utf-8"?>
+<file path=ppt/slides/slide17.xml><?xml version="1.0" encoding="utf-8"?>
 <p:sld xmlns:a="http://schemas.openxmlformats.org/drawingml/2006/main" xmlns:r="http://schemas.openxmlformats.org/officeDocument/2006/relationships" xmlns:p="http://schemas.openxmlformats.org/presentationml/2006/main">
   <p:cSld>
     <p:spTree>
@@ -5061,7 +5133,7 @@
 </p:sld>
 </file>
 
-<file path=ppt/slides/slide17.xml><?xml version="1.0" encoding="utf-8"?>
+<file path=ppt/slides/slide18.xml><?xml version="1.0" encoding="utf-8"?>
 <p:sld xmlns:a="http://schemas.openxmlformats.org/drawingml/2006/main" xmlns:r="http://schemas.openxmlformats.org/officeDocument/2006/relationships" xmlns:p="http://schemas.openxmlformats.org/presentationml/2006/main">
   <p:cSld>
     <p:spTree>
@@ -5338,7 +5410,7 @@
 </p:sld>
 </file>
 
-<file path=ppt/slides/slide18.xml><?xml version="1.0" encoding="utf-8"?>
+<file path=ppt/slides/slide19.xml><?xml version="1.0" encoding="utf-8"?>
 <p:sld xmlns:a="http://schemas.openxmlformats.org/drawingml/2006/main" xmlns:r="http://schemas.openxmlformats.org/officeDocument/2006/relationships" xmlns:p="http://schemas.openxmlformats.org/presentationml/2006/main">
   <p:cSld>
     <p:spTree>
@@ -5606,279 +5678,6 @@
     <p:extLst>
       <p:ext uri="{BB962C8B-B14F-4D97-AF65-F5344CB8AC3E}">
         <p14:creationId xmlns:p14="http://schemas.microsoft.com/office/powerpoint/2010/main" val="3846229491"/>
-      </p:ext>
-    </p:extLst>
-  </p:cSld>
-  <p:clrMapOvr>
-    <a:masterClrMapping/>
-  </p:clrMapOvr>
-</p:sld>
-</file>
-
-<file path=ppt/slides/slide19.xml><?xml version="1.0" encoding="utf-8"?>
-<p:sld xmlns:a="http://schemas.openxmlformats.org/drawingml/2006/main" xmlns:r="http://schemas.openxmlformats.org/officeDocument/2006/relationships" xmlns:p="http://schemas.openxmlformats.org/presentationml/2006/main">
-  <p:cSld>
-    <p:spTree>
-      <p:nvGrpSpPr>
-        <p:cNvPr id="1" name=""/>
-        <p:cNvGrpSpPr/>
-        <p:nvPr/>
-      </p:nvGrpSpPr>
-      <p:grpSpPr>
-        <a:xfrm>
-          <a:off x="0" y="0"/>
-          <a:ext cx="0" cy="0"/>
-          <a:chOff x="0" y="0"/>
-          <a:chExt cx="0" cy="0"/>
-        </a:xfrm>
-      </p:grpSpPr>
-      <p:grpSp>
-        <p:nvGrpSpPr>
-          <p:cNvPr id="12" name="그룹 11">
-            <a:extLst>
-              <a:ext uri="{FF2B5EF4-FFF2-40B4-BE49-F238E27FC236}">
-                <a16:creationId xmlns:a16="http://schemas.microsoft.com/office/drawing/2014/main" id="{5B7F874D-5E79-43AD-971A-C2AC9BF890D3}"/>
-              </a:ext>
-            </a:extLst>
-          </p:cNvPr>
-          <p:cNvGrpSpPr/>
-          <p:nvPr/>
-        </p:nvGrpSpPr>
-        <p:grpSpPr>
-          <a:xfrm>
-            <a:off x="633933" y="0"/>
-            <a:ext cx="10924134" cy="6858000"/>
-            <a:chOff x="633933" y="0"/>
-            <a:chExt cx="10924134" cy="6858000"/>
-          </a:xfrm>
-        </p:grpSpPr>
-        <p:pic>
-          <p:nvPicPr>
-            <p:cNvPr id="7" name="그림 6">
-              <a:extLst>
-                <a:ext uri="{FF2B5EF4-FFF2-40B4-BE49-F238E27FC236}">
-                  <a16:creationId xmlns:a16="http://schemas.microsoft.com/office/drawing/2014/main" id="{6FCE062A-6FE1-4797-A926-74952EEDC4E7}"/>
-                </a:ext>
-              </a:extLst>
-            </p:cNvPr>
-            <p:cNvPicPr>
-              <a:picLocks noChangeAspect="1"/>
-            </p:cNvPicPr>
-            <p:nvPr/>
-          </p:nvPicPr>
-          <p:blipFill>
-            <a:blip r:embed="rId2"/>
-            <a:stretch>
-              <a:fillRect/>
-            </a:stretch>
-          </p:blipFill>
-          <p:spPr>
-            <a:xfrm>
-              <a:off x="633933" y="0"/>
-              <a:ext cx="10924134" cy="6858000"/>
-            </a:xfrm>
-            <a:prstGeom prst="rect">
-              <a:avLst/>
-            </a:prstGeom>
-          </p:spPr>
-        </p:pic>
-        <p:sp>
-          <p:nvSpPr>
-            <p:cNvPr id="8" name="직사각형 7">
-              <a:extLst>
-                <a:ext uri="{FF2B5EF4-FFF2-40B4-BE49-F238E27FC236}">
-                  <a16:creationId xmlns:a16="http://schemas.microsoft.com/office/drawing/2014/main" id="{F1F1CAEC-B145-4F2A-84DA-1066ACC45A5E}"/>
-                </a:ext>
-              </a:extLst>
-            </p:cNvPr>
-            <p:cNvSpPr/>
-            <p:nvPr/>
-          </p:nvSpPr>
-          <p:spPr>
-            <a:xfrm>
-              <a:off x="2627373" y="453182"/>
-              <a:ext cx="4047747" cy="3942034"/>
-            </a:xfrm>
-            <a:prstGeom prst="rect">
-              <a:avLst/>
-            </a:prstGeom>
-            <a:noFill/>
-            <a:ln>
-              <a:solidFill>
-                <a:srgbClr val="0070C0"/>
-              </a:solidFill>
-            </a:ln>
-          </p:spPr>
-          <p:style>
-            <a:lnRef idx="2">
-              <a:schemeClr val="accent1">
-                <a:shade val="50000"/>
-              </a:schemeClr>
-            </a:lnRef>
-            <a:fillRef idx="1">
-              <a:schemeClr val="accent1"/>
-            </a:fillRef>
-            <a:effectRef idx="0">
-              <a:schemeClr val="accent1"/>
-            </a:effectRef>
-            <a:fontRef idx="minor">
-              <a:schemeClr val="lt1"/>
-            </a:fontRef>
-          </p:style>
-          <p:txBody>
-            <a:bodyPr rtlCol="0" anchor="ctr"/>
-            <a:lstStyle/>
-            <a:p>
-              <a:pPr algn="ctr"/>
-              <a:endParaRPr lang="ko-KR" altLang="en-US"/>
-            </a:p>
-          </p:txBody>
-        </p:sp>
-        <p:sp>
-          <p:nvSpPr>
-            <p:cNvPr id="9" name="TextBox 8">
-              <a:extLst>
-                <a:ext uri="{FF2B5EF4-FFF2-40B4-BE49-F238E27FC236}">
-                  <a16:creationId xmlns:a16="http://schemas.microsoft.com/office/drawing/2014/main" id="{8AB8EB75-B8C6-4A89-9375-A03C91B0A180}"/>
-                </a:ext>
-              </a:extLst>
-            </p:cNvPr>
-            <p:cNvSpPr txBox="1"/>
-            <p:nvPr/>
-          </p:nvSpPr>
-          <p:spPr>
-            <a:xfrm>
-              <a:off x="2405434" y="553766"/>
-              <a:ext cx="280416" cy="276999"/>
-            </a:xfrm>
-            <a:prstGeom prst="rect">
-              <a:avLst/>
-            </a:prstGeom>
-            <a:noFill/>
-          </p:spPr>
-          <p:txBody>
-            <a:bodyPr wrap="square" rtlCol="0">
-              <a:spAutoFit/>
-            </a:bodyPr>
-            <a:lstStyle/>
-            <a:p>
-              <a:r>
-                <a:rPr lang="en-US" altLang="ko-KR" sz="1200">
-                  <a:solidFill>
-                    <a:schemeClr val="accent1"/>
-                  </a:solidFill>
-                </a:rPr>
-                <a:t>1</a:t>
-              </a:r>
-              <a:endParaRPr lang="ko-KR" altLang="en-US" sz="1200">
-                <a:solidFill>
-                  <a:schemeClr val="accent1"/>
-                </a:solidFill>
-              </a:endParaRPr>
-            </a:p>
-          </p:txBody>
-        </p:sp>
-        <p:sp>
-          <p:nvSpPr>
-            <p:cNvPr id="10" name="직사각형 9">
-              <a:extLst>
-                <a:ext uri="{FF2B5EF4-FFF2-40B4-BE49-F238E27FC236}">
-                  <a16:creationId xmlns:a16="http://schemas.microsoft.com/office/drawing/2014/main" id="{9A290A13-6B95-49D5-8B5F-64B652A74952}"/>
-                </a:ext>
-              </a:extLst>
-            </p:cNvPr>
-            <p:cNvSpPr/>
-            <p:nvPr/>
-          </p:nvSpPr>
-          <p:spPr>
-            <a:xfrm>
-              <a:off x="6810472" y="453182"/>
-              <a:ext cx="4187955" cy="3942034"/>
-            </a:xfrm>
-            <a:prstGeom prst="rect">
-              <a:avLst/>
-            </a:prstGeom>
-            <a:noFill/>
-            <a:ln>
-              <a:solidFill>
-                <a:srgbClr val="0070C0"/>
-              </a:solidFill>
-            </a:ln>
-          </p:spPr>
-          <p:style>
-            <a:lnRef idx="2">
-              <a:schemeClr val="accent1">
-                <a:shade val="50000"/>
-              </a:schemeClr>
-            </a:lnRef>
-            <a:fillRef idx="1">
-              <a:schemeClr val="accent1"/>
-            </a:fillRef>
-            <a:effectRef idx="0">
-              <a:schemeClr val="accent1"/>
-            </a:effectRef>
-            <a:fontRef idx="minor">
-              <a:schemeClr val="lt1"/>
-            </a:fontRef>
-          </p:style>
-          <p:txBody>
-            <a:bodyPr rtlCol="0" anchor="ctr"/>
-            <a:lstStyle/>
-            <a:p>
-              <a:pPr algn="ctr"/>
-              <a:endParaRPr lang="ko-KR" altLang="en-US"/>
-            </a:p>
-          </p:txBody>
-        </p:sp>
-        <p:sp>
-          <p:nvSpPr>
-            <p:cNvPr id="11" name="TextBox 10">
-              <a:extLst>
-                <a:ext uri="{FF2B5EF4-FFF2-40B4-BE49-F238E27FC236}">
-                  <a16:creationId xmlns:a16="http://schemas.microsoft.com/office/drawing/2014/main" id="{1D0978F8-EA32-4330-8902-3ABD0F8D1E4F}"/>
-                </a:ext>
-              </a:extLst>
-            </p:cNvPr>
-            <p:cNvSpPr txBox="1"/>
-            <p:nvPr/>
-          </p:nvSpPr>
-          <p:spPr>
-            <a:xfrm>
-              <a:off x="10626567" y="553766"/>
-              <a:ext cx="290129" cy="276999"/>
-            </a:xfrm>
-            <a:prstGeom prst="rect">
-              <a:avLst/>
-            </a:prstGeom>
-            <a:noFill/>
-          </p:spPr>
-          <p:txBody>
-            <a:bodyPr wrap="square" rtlCol="0">
-              <a:spAutoFit/>
-            </a:bodyPr>
-            <a:lstStyle/>
-            <a:p>
-              <a:r>
-                <a:rPr lang="en-US" altLang="ko-KR" sz="1200">
-                  <a:solidFill>
-                    <a:schemeClr val="accent1"/>
-                  </a:solidFill>
-                </a:rPr>
-                <a:t>2</a:t>
-              </a:r>
-              <a:endParaRPr lang="ko-KR" altLang="en-US" sz="1200">
-                <a:solidFill>
-                  <a:schemeClr val="accent1"/>
-                </a:solidFill>
-              </a:endParaRPr>
-            </a:p>
-          </p:txBody>
-        </p:sp>
-      </p:grpSp>
-    </p:spTree>
-    <p:extLst>
-      <p:ext uri="{BB962C8B-B14F-4D97-AF65-F5344CB8AC3E}">
-        <p14:creationId xmlns:p14="http://schemas.microsoft.com/office/powerpoint/2010/main" val="737340577"/>
       </p:ext>
     </p:extLst>
   </p:cSld>
@@ -6564,6 +6363,279 @@
       </p:grpSpPr>
       <p:grpSp>
         <p:nvGrpSpPr>
+          <p:cNvPr id="12" name="그룹 11">
+            <a:extLst>
+              <a:ext uri="{FF2B5EF4-FFF2-40B4-BE49-F238E27FC236}">
+                <a16:creationId xmlns:a16="http://schemas.microsoft.com/office/drawing/2014/main" id="{5B7F874D-5E79-43AD-971A-C2AC9BF890D3}"/>
+              </a:ext>
+            </a:extLst>
+          </p:cNvPr>
+          <p:cNvGrpSpPr/>
+          <p:nvPr/>
+        </p:nvGrpSpPr>
+        <p:grpSpPr>
+          <a:xfrm>
+            <a:off x="633933" y="0"/>
+            <a:ext cx="10924134" cy="6858000"/>
+            <a:chOff x="633933" y="0"/>
+            <a:chExt cx="10924134" cy="6858000"/>
+          </a:xfrm>
+        </p:grpSpPr>
+        <p:pic>
+          <p:nvPicPr>
+            <p:cNvPr id="7" name="그림 6">
+              <a:extLst>
+                <a:ext uri="{FF2B5EF4-FFF2-40B4-BE49-F238E27FC236}">
+                  <a16:creationId xmlns:a16="http://schemas.microsoft.com/office/drawing/2014/main" id="{6FCE062A-6FE1-4797-A926-74952EEDC4E7}"/>
+                </a:ext>
+              </a:extLst>
+            </p:cNvPr>
+            <p:cNvPicPr>
+              <a:picLocks noChangeAspect="1"/>
+            </p:cNvPicPr>
+            <p:nvPr/>
+          </p:nvPicPr>
+          <p:blipFill>
+            <a:blip r:embed="rId2"/>
+            <a:stretch>
+              <a:fillRect/>
+            </a:stretch>
+          </p:blipFill>
+          <p:spPr>
+            <a:xfrm>
+              <a:off x="633933" y="0"/>
+              <a:ext cx="10924134" cy="6858000"/>
+            </a:xfrm>
+            <a:prstGeom prst="rect">
+              <a:avLst/>
+            </a:prstGeom>
+          </p:spPr>
+        </p:pic>
+        <p:sp>
+          <p:nvSpPr>
+            <p:cNvPr id="8" name="직사각형 7">
+              <a:extLst>
+                <a:ext uri="{FF2B5EF4-FFF2-40B4-BE49-F238E27FC236}">
+                  <a16:creationId xmlns:a16="http://schemas.microsoft.com/office/drawing/2014/main" id="{F1F1CAEC-B145-4F2A-84DA-1066ACC45A5E}"/>
+                </a:ext>
+              </a:extLst>
+            </p:cNvPr>
+            <p:cNvSpPr/>
+            <p:nvPr/>
+          </p:nvSpPr>
+          <p:spPr>
+            <a:xfrm>
+              <a:off x="2627373" y="453182"/>
+              <a:ext cx="4047747" cy="3942034"/>
+            </a:xfrm>
+            <a:prstGeom prst="rect">
+              <a:avLst/>
+            </a:prstGeom>
+            <a:noFill/>
+            <a:ln>
+              <a:solidFill>
+                <a:srgbClr val="0070C0"/>
+              </a:solidFill>
+            </a:ln>
+          </p:spPr>
+          <p:style>
+            <a:lnRef idx="2">
+              <a:schemeClr val="accent1">
+                <a:shade val="50000"/>
+              </a:schemeClr>
+            </a:lnRef>
+            <a:fillRef idx="1">
+              <a:schemeClr val="accent1"/>
+            </a:fillRef>
+            <a:effectRef idx="0">
+              <a:schemeClr val="accent1"/>
+            </a:effectRef>
+            <a:fontRef idx="minor">
+              <a:schemeClr val="lt1"/>
+            </a:fontRef>
+          </p:style>
+          <p:txBody>
+            <a:bodyPr rtlCol="0" anchor="ctr"/>
+            <a:lstStyle/>
+            <a:p>
+              <a:pPr algn="ctr"/>
+              <a:endParaRPr lang="ko-KR" altLang="en-US"/>
+            </a:p>
+          </p:txBody>
+        </p:sp>
+        <p:sp>
+          <p:nvSpPr>
+            <p:cNvPr id="9" name="TextBox 8">
+              <a:extLst>
+                <a:ext uri="{FF2B5EF4-FFF2-40B4-BE49-F238E27FC236}">
+                  <a16:creationId xmlns:a16="http://schemas.microsoft.com/office/drawing/2014/main" id="{8AB8EB75-B8C6-4A89-9375-A03C91B0A180}"/>
+                </a:ext>
+              </a:extLst>
+            </p:cNvPr>
+            <p:cNvSpPr txBox="1"/>
+            <p:nvPr/>
+          </p:nvSpPr>
+          <p:spPr>
+            <a:xfrm>
+              <a:off x="2405434" y="553766"/>
+              <a:ext cx="280416" cy="276999"/>
+            </a:xfrm>
+            <a:prstGeom prst="rect">
+              <a:avLst/>
+            </a:prstGeom>
+            <a:noFill/>
+          </p:spPr>
+          <p:txBody>
+            <a:bodyPr wrap="square" rtlCol="0">
+              <a:spAutoFit/>
+            </a:bodyPr>
+            <a:lstStyle/>
+            <a:p>
+              <a:r>
+                <a:rPr lang="en-US" altLang="ko-KR" sz="1200">
+                  <a:solidFill>
+                    <a:schemeClr val="accent1"/>
+                  </a:solidFill>
+                </a:rPr>
+                <a:t>1</a:t>
+              </a:r>
+              <a:endParaRPr lang="ko-KR" altLang="en-US" sz="1200">
+                <a:solidFill>
+                  <a:schemeClr val="accent1"/>
+                </a:solidFill>
+              </a:endParaRPr>
+            </a:p>
+          </p:txBody>
+        </p:sp>
+        <p:sp>
+          <p:nvSpPr>
+            <p:cNvPr id="10" name="직사각형 9">
+              <a:extLst>
+                <a:ext uri="{FF2B5EF4-FFF2-40B4-BE49-F238E27FC236}">
+                  <a16:creationId xmlns:a16="http://schemas.microsoft.com/office/drawing/2014/main" id="{9A290A13-6B95-49D5-8B5F-64B652A74952}"/>
+                </a:ext>
+              </a:extLst>
+            </p:cNvPr>
+            <p:cNvSpPr/>
+            <p:nvPr/>
+          </p:nvSpPr>
+          <p:spPr>
+            <a:xfrm>
+              <a:off x="6810472" y="453182"/>
+              <a:ext cx="4187955" cy="3942034"/>
+            </a:xfrm>
+            <a:prstGeom prst="rect">
+              <a:avLst/>
+            </a:prstGeom>
+            <a:noFill/>
+            <a:ln>
+              <a:solidFill>
+                <a:srgbClr val="0070C0"/>
+              </a:solidFill>
+            </a:ln>
+          </p:spPr>
+          <p:style>
+            <a:lnRef idx="2">
+              <a:schemeClr val="accent1">
+                <a:shade val="50000"/>
+              </a:schemeClr>
+            </a:lnRef>
+            <a:fillRef idx="1">
+              <a:schemeClr val="accent1"/>
+            </a:fillRef>
+            <a:effectRef idx="0">
+              <a:schemeClr val="accent1"/>
+            </a:effectRef>
+            <a:fontRef idx="minor">
+              <a:schemeClr val="lt1"/>
+            </a:fontRef>
+          </p:style>
+          <p:txBody>
+            <a:bodyPr rtlCol="0" anchor="ctr"/>
+            <a:lstStyle/>
+            <a:p>
+              <a:pPr algn="ctr"/>
+              <a:endParaRPr lang="ko-KR" altLang="en-US"/>
+            </a:p>
+          </p:txBody>
+        </p:sp>
+        <p:sp>
+          <p:nvSpPr>
+            <p:cNvPr id="11" name="TextBox 10">
+              <a:extLst>
+                <a:ext uri="{FF2B5EF4-FFF2-40B4-BE49-F238E27FC236}">
+                  <a16:creationId xmlns:a16="http://schemas.microsoft.com/office/drawing/2014/main" id="{1D0978F8-EA32-4330-8902-3ABD0F8D1E4F}"/>
+                </a:ext>
+              </a:extLst>
+            </p:cNvPr>
+            <p:cNvSpPr txBox="1"/>
+            <p:nvPr/>
+          </p:nvSpPr>
+          <p:spPr>
+            <a:xfrm>
+              <a:off x="10626567" y="553766"/>
+              <a:ext cx="290129" cy="276999"/>
+            </a:xfrm>
+            <a:prstGeom prst="rect">
+              <a:avLst/>
+            </a:prstGeom>
+            <a:noFill/>
+          </p:spPr>
+          <p:txBody>
+            <a:bodyPr wrap="square" rtlCol="0">
+              <a:spAutoFit/>
+            </a:bodyPr>
+            <a:lstStyle/>
+            <a:p>
+              <a:r>
+                <a:rPr lang="en-US" altLang="ko-KR" sz="1200">
+                  <a:solidFill>
+                    <a:schemeClr val="accent1"/>
+                  </a:solidFill>
+                </a:rPr>
+                <a:t>2</a:t>
+              </a:r>
+              <a:endParaRPr lang="ko-KR" altLang="en-US" sz="1200">
+                <a:solidFill>
+                  <a:schemeClr val="accent1"/>
+                </a:solidFill>
+              </a:endParaRPr>
+            </a:p>
+          </p:txBody>
+        </p:sp>
+      </p:grpSp>
+    </p:spTree>
+    <p:extLst>
+      <p:ext uri="{BB962C8B-B14F-4D97-AF65-F5344CB8AC3E}">
+        <p14:creationId xmlns:p14="http://schemas.microsoft.com/office/powerpoint/2010/main" val="737340577"/>
+      </p:ext>
+    </p:extLst>
+  </p:cSld>
+  <p:clrMapOvr>
+    <a:masterClrMapping/>
+  </p:clrMapOvr>
+</p:sld>
+</file>
+
+<file path=ppt/slides/slide21.xml><?xml version="1.0" encoding="utf-8"?>
+<p:sld xmlns:a="http://schemas.openxmlformats.org/drawingml/2006/main" xmlns:r="http://schemas.openxmlformats.org/officeDocument/2006/relationships" xmlns:p="http://schemas.openxmlformats.org/presentationml/2006/main">
+  <p:cSld>
+    <p:spTree>
+      <p:nvGrpSpPr>
+        <p:cNvPr id="1" name=""/>
+        <p:cNvGrpSpPr/>
+        <p:nvPr/>
+      </p:nvGrpSpPr>
+      <p:grpSpPr>
+        <a:xfrm>
+          <a:off x="0" y="0"/>
+          <a:ext cx="0" cy="0"/>
+          <a:chOff x="0" y="0"/>
+          <a:chExt cx="0" cy="0"/>
+        </a:xfrm>
+      </p:grpSpPr>
+      <p:grpSp>
+        <p:nvGrpSpPr>
           <p:cNvPr id="21" name="그룹 20">
             <a:extLst>
               <a:ext uri="{FF2B5EF4-FFF2-40B4-BE49-F238E27FC236}">
@@ -7298,7 +7370,7 @@
 </p:sld>
 </file>
 
-<file path=ppt/slides/slide21.xml><?xml version="1.0" encoding="utf-8"?>
+<file path=ppt/slides/slide22.xml><?xml version="1.0" encoding="utf-8"?>
 <p:sld xmlns:a="http://schemas.openxmlformats.org/drawingml/2006/main" xmlns:r="http://schemas.openxmlformats.org/officeDocument/2006/relationships" xmlns:p="http://schemas.openxmlformats.org/presentationml/2006/main">
   <p:cSld>
     <p:spTree>
@@ -7358,7 +7430,7 @@
 </p:sld>
 </file>
 
-<file path=ppt/slides/slide22.xml><?xml version="1.0" encoding="utf-8"?>
+<file path=ppt/slides/slide23.xml><?xml version="1.0" encoding="utf-8"?>
 <p:sld xmlns:a="http://schemas.openxmlformats.org/drawingml/2006/main" xmlns:r="http://schemas.openxmlformats.org/officeDocument/2006/relationships" xmlns:p="http://schemas.openxmlformats.org/presentationml/2006/main">
   <p:cSld>
     <p:spTree>
@@ -7418,7 +7490,7 @@
 </p:sld>
 </file>
 
-<file path=ppt/slides/slide23.xml><?xml version="1.0" encoding="utf-8"?>
+<file path=ppt/slides/slide24.xml><?xml version="1.0" encoding="utf-8"?>
 <p:sld xmlns:a="http://schemas.openxmlformats.org/drawingml/2006/main" xmlns:r="http://schemas.openxmlformats.org/officeDocument/2006/relationships" xmlns:p="http://schemas.openxmlformats.org/presentationml/2006/main">
   <p:cSld>
     <p:spTree>
@@ -7478,7 +7550,7 @@
 </p:sld>
 </file>
 
-<file path=ppt/slides/slide24.xml><?xml version="1.0" encoding="utf-8"?>
+<file path=ppt/slides/slide25.xml><?xml version="1.0" encoding="utf-8"?>
 <p:sld xmlns:a="http://schemas.openxmlformats.org/drawingml/2006/main" xmlns:r="http://schemas.openxmlformats.org/officeDocument/2006/relationships" xmlns:p="http://schemas.openxmlformats.org/presentationml/2006/main">
   <p:cSld>
     <p:spTree>
@@ -8417,7 +8489,7 @@
 </p:sld>
 </file>
 
-<file path=ppt/slides/slide25.xml><?xml version="1.0" encoding="utf-8"?>
+<file path=ppt/slides/slide26.xml><?xml version="1.0" encoding="utf-8"?>
 <p:sld xmlns:a="http://schemas.openxmlformats.org/drawingml/2006/main" xmlns:r="http://schemas.openxmlformats.org/officeDocument/2006/relationships" xmlns:p="http://schemas.openxmlformats.org/presentationml/2006/main">
   <p:cSld>
     <p:spTree>
@@ -8594,7 +8666,7 @@
 </p:sld>
 </file>
 
-<file path=ppt/slides/slide26.xml><?xml version="1.0" encoding="utf-8"?>
+<file path=ppt/slides/slide27.xml><?xml version="1.0" encoding="utf-8"?>
 <p:sld xmlns:a="http://schemas.openxmlformats.org/drawingml/2006/main" xmlns:r="http://schemas.openxmlformats.org/officeDocument/2006/relationships" xmlns:p="http://schemas.openxmlformats.org/presentationml/2006/main">
   <p:cSld>
     <p:spTree>
@@ -8897,7 +8969,7 @@
 </p:sld>
 </file>
 
-<file path=ppt/slides/slide27.xml><?xml version="1.0" encoding="utf-8"?>
+<file path=ppt/slides/slide28.xml><?xml version="1.0" encoding="utf-8"?>
 <p:sld xmlns:a="http://schemas.openxmlformats.org/drawingml/2006/main" xmlns:r="http://schemas.openxmlformats.org/officeDocument/2006/relationships" xmlns:p="http://schemas.openxmlformats.org/presentationml/2006/main">
   <p:cSld>
     <p:spTree>
@@ -9392,7 +9464,7 @@
 </p:sld>
 </file>
 
-<file path=ppt/slides/slide28.xml><?xml version="1.0" encoding="utf-8"?>
+<file path=ppt/slides/slide29.xml><?xml version="1.0" encoding="utf-8"?>
 <p:sld xmlns:a="http://schemas.openxmlformats.org/drawingml/2006/main" xmlns:r="http://schemas.openxmlformats.org/officeDocument/2006/relationships" xmlns:p="http://schemas.openxmlformats.org/presentationml/2006/main">
   <p:cSld>
     <p:spTree>
@@ -10010,279 +10082,6 @@
     <p:extLst>
       <p:ext uri="{BB962C8B-B14F-4D97-AF65-F5344CB8AC3E}">
         <p14:creationId xmlns:p14="http://schemas.microsoft.com/office/powerpoint/2010/main" val="2057465902"/>
-      </p:ext>
-    </p:extLst>
-  </p:cSld>
-  <p:clrMapOvr>
-    <a:masterClrMapping/>
-  </p:clrMapOvr>
-</p:sld>
-</file>
-
-<file path=ppt/slides/slide29.xml><?xml version="1.0" encoding="utf-8"?>
-<p:sld xmlns:a="http://schemas.openxmlformats.org/drawingml/2006/main" xmlns:r="http://schemas.openxmlformats.org/officeDocument/2006/relationships" xmlns:p="http://schemas.openxmlformats.org/presentationml/2006/main">
-  <p:cSld>
-    <p:spTree>
-      <p:nvGrpSpPr>
-        <p:cNvPr id="1" name=""/>
-        <p:cNvGrpSpPr/>
-        <p:nvPr/>
-      </p:nvGrpSpPr>
-      <p:grpSpPr>
-        <a:xfrm>
-          <a:off x="0" y="0"/>
-          <a:ext cx="0" cy="0"/>
-          <a:chOff x="0" y="0"/>
-          <a:chExt cx="0" cy="0"/>
-        </a:xfrm>
-      </p:grpSpPr>
-      <p:grpSp>
-        <p:nvGrpSpPr>
-          <p:cNvPr id="11" name="그룹 10">
-            <a:extLst>
-              <a:ext uri="{FF2B5EF4-FFF2-40B4-BE49-F238E27FC236}">
-                <a16:creationId xmlns:a16="http://schemas.microsoft.com/office/drawing/2014/main" id="{5AB2F4A9-5C3D-4CD1-9980-87E3D97462F1}"/>
-              </a:ext>
-            </a:extLst>
-          </p:cNvPr>
-          <p:cNvGrpSpPr/>
-          <p:nvPr/>
-        </p:nvGrpSpPr>
-        <p:grpSpPr>
-          <a:xfrm>
-            <a:off x="4136977" y="0"/>
-            <a:ext cx="3918045" cy="6858000"/>
-            <a:chOff x="4136977" y="0"/>
-            <a:chExt cx="3918045" cy="6858000"/>
-          </a:xfrm>
-        </p:grpSpPr>
-        <p:pic>
-          <p:nvPicPr>
-            <p:cNvPr id="5" name="그림 4">
-              <a:extLst>
-                <a:ext uri="{FF2B5EF4-FFF2-40B4-BE49-F238E27FC236}">
-                  <a16:creationId xmlns:a16="http://schemas.microsoft.com/office/drawing/2014/main" id="{4A53CF64-4397-42F8-8F22-28B1897B1A07}"/>
-                </a:ext>
-              </a:extLst>
-            </p:cNvPr>
-            <p:cNvPicPr>
-              <a:picLocks noChangeAspect="1"/>
-            </p:cNvPicPr>
-            <p:nvPr/>
-          </p:nvPicPr>
-          <p:blipFill>
-            <a:blip r:embed="rId2"/>
-            <a:stretch>
-              <a:fillRect/>
-            </a:stretch>
-          </p:blipFill>
-          <p:spPr>
-            <a:xfrm>
-              <a:off x="4136977" y="0"/>
-              <a:ext cx="3918045" cy="6858000"/>
-            </a:xfrm>
-            <a:prstGeom prst="rect">
-              <a:avLst/>
-            </a:prstGeom>
-          </p:spPr>
-        </p:pic>
-        <p:sp>
-          <p:nvSpPr>
-            <p:cNvPr id="6" name="직사각형 5">
-              <a:extLst>
-                <a:ext uri="{FF2B5EF4-FFF2-40B4-BE49-F238E27FC236}">
-                  <a16:creationId xmlns:a16="http://schemas.microsoft.com/office/drawing/2014/main" id="{61510286-24D4-4175-9DE6-AF26E2DFE5C6}"/>
-                </a:ext>
-              </a:extLst>
-            </p:cNvPr>
-            <p:cNvSpPr/>
-            <p:nvPr/>
-          </p:nvSpPr>
-          <p:spPr>
-            <a:xfrm>
-              <a:off x="7370064" y="625599"/>
-              <a:ext cx="585216" cy="276610"/>
-            </a:xfrm>
-            <a:prstGeom prst="rect">
-              <a:avLst/>
-            </a:prstGeom>
-            <a:noFill/>
-            <a:ln>
-              <a:solidFill>
-                <a:srgbClr val="FF0000"/>
-              </a:solidFill>
-            </a:ln>
-          </p:spPr>
-          <p:style>
-            <a:lnRef idx="2">
-              <a:schemeClr val="accent1">
-                <a:shade val="50000"/>
-              </a:schemeClr>
-            </a:lnRef>
-            <a:fillRef idx="1">
-              <a:schemeClr val="accent1"/>
-            </a:fillRef>
-            <a:effectRef idx="0">
-              <a:schemeClr val="accent1"/>
-            </a:effectRef>
-            <a:fontRef idx="minor">
-              <a:schemeClr val="lt1"/>
-            </a:fontRef>
-          </p:style>
-          <p:txBody>
-            <a:bodyPr rtlCol="0" anchor="ctr"/>
-            <a:lstStyle/>
-            <a:p>
-              <a:pPr algn="ctr"/>
-              <a:endParaRPr lang="ko-KR" altLang="en-US"/>
-            </a:p>
-          </p:txBody>
-        </p:sp>
-        <p:sp>
-          <p:nvSpPr>
-            <p:cNvPr id="7" name="직사각형 6">
-              <a:extLst>
-                <a:ext uri="{FF2B5EF4-FFF2-40B4-BE49-F238E27FC236}">
-                  <a16:creationId xmlns:a16="http://schemas.microsoft.com/office/drawing/2014/main" id="{7CFAE1F0-DBA6-4004-8BFA-6EA015382091}"/>
-                </a:ext>
-              </a:extLst>
-            </p:cNvPr>
-            <p:cNvSpPr/>
-            <p:nvPr/>
-          </p:nvSpPr>
-          <p:spPr>
-            <a:xfrm>
-              <a:off x="4297680" y="2076446"/>
-              <a:ext cx="3608832" cy="3915921"/>
-            </a:xfrm>
-            <a:prstGeom prst="rect">
-              <a:avLst/>
-            </a:prstGeom>
-            <a:noFill/>
-            <a:ln>
-              <a:solidFill>
-                <a:srgbClr val="FF0000"/>
-              </a:solidFill>
-            </a:ln>
-          </p:spPr>
-          <p:style>
-            <a:lnRef idx="2">
-              <a:schemeClr val="accent1">
-                <a:shade val="50000"/>
-              </a:schemeClr>
-            </a:lnRef>
-            <a:fillRef idx="1">
-              <a:schemeClr val="accent1"/>
-            </a:fillRef>
-            <a:effectRef idx="0">
-              <a:schemeClr val="accent1"/>
-            </a:effectRef>
-            <a:fontRef idx="minor">
-              <a:schemeClr val="lt1"/>
-            </a:fontRef>
-          </p:style>
-          <p:txBody>
-            <a:bodyPr rtlCol="0" anchor="ctr"/>
-            <a:lstStyle/>
-            <a:p>
-              <a:pPr algn="ctr"/>
-              <a:endParaRPr lang="ko-KR" altLang="en-US"/>
-            </a:p>
-          </p:txBody>
-        </p:sp>
-        <p:sp>
-          <p:nvSpPr>
-            <p:cNvPr id="8" name="TextBox 7">
-              <a:extLst>
-                <a:ext uri="{FF2B5EF4-FFF2-40B4-BE49-F238E27FC236}">
-                  <a16:creationId xmlns:a16="http://schemas.microsoft.com/office/drawing/2014/main" id="{8E12EAD6-8F70-46F5-A04F-7C980D6C06C6}"/>
-                </a:ext>
-              </a:extLst>
-            </p:cNvPr>
-            <p:cNvSpPr txBox="1"/>
-            <p:nvPr/>
-          </p:nvSpPr>
-          <p:spPr>
-            <a:xfrm>
-              <a:off x="7192201" y="406142"/>
-              <a:ext cx="611055" cy="276999"/>
-            </a:xfrm>
-            <a:prstGeom prst="rect">
-              <a:avLst/>
-            </a:prstGeom>
-            <a:noFill/>
-          </p:spPr>
-          <p:txBody>
-            <a:bodyPr wrap="square" rtlCol="0">
-              <a:spAutoFit/>
-            </a:bodyPr>
-            <a:lstStyle/>
-            <a:p>
-              <a:r>
-                <a:rPr lang="en-US" altLang="ko-KR" sz="1200">
-                  <a:solidFill>
-                    <a:srgbClr val="FF0000"/>
-                  </a:solidFill>
-                </a:rPr>
-                <a:t>1</a:t>
-              </a:r>
-              <a:endParaRPr lang="ko-KR" altLang="en-US" sz="1200">
-                <a:solidFill>
-                  <a:srgbClr val="FF0000"/>
-                </a:solidFill>
-              </a:endParaRPr>
-            </a:p>
-          </p:txBody>
-        </p:sp>
-        <p:cxnSp>
-          <p:nvCxnSpPr>
-            <p:cNvPr id="9" name="직선 화살표 연결선 8">
-              <a:extLst>
-                <a:ext uri="{FF2B5EF4-FFF2-40B4-BE49-F238E27FC236}">
-                  <a16:creationId xmlns:a16="http://schemas.microsoft.com/office/drawing/2014/main" id="{0EF8E508-8C53-493B-92A7-ED5932AB82BB}"/>
-                </a:ext>
-              </a:extLst>
-            </p:cNvPr>
-            <p:cNvCxnSpPr>
-              <a:cxnSpLocks/>
-            </p:cNvCxnSpPr>
-            <p:nvPr/>
-          </p:nvCxnSpPr>
-          <p:spPr>
-            <a:xfrm flipH="1">
-              <a:off x="6697936" y="902209"/>
-              <a:ext cx="781856" cy="1407872"/>
-            </a:xfrm>
-            <a:prstGeom prst="straightConnector1">
-              <a:avLst/>
-            </a:prstGeom>
-            <a:ln w="12700">
-              <a:solidFill>
-                <a:srgbClr val="FF0000"/>
-              </a:solidFill>
-              <a:tailEnd type="triangle"/>
-            </a:ln>
-          </p:spPr>
-          <p:style>
-            <a:lnRef idx="1">
-              <a:schemeClr val="accent1"/>
-            </a:lnRef>
-            <a:fillRef idx="0">
-              <a:schemeClr val="accent1"/>
-            </a:fillRef>
-            <a:effectRef idx="0">
-              <a:schemeClr val="accent1"/>
-            </a:effectRef>
-            <a:fontRef idx="minor">
-              <a:schemeClr val="tx1"/>
-            </a:fontRef>
-          </p:style>
-        </p:cxnSp>
-      </p:grpSp>
-    </p:spTree>
-    <p:extLst>
-      <p:ext uri="{BB962C8B-B14F-4D97-AF65-F5344CB8AC3E}">
-        <p14:creationId xmlns:p14="http://schemas.microsoft.com/office/powerpoint/2010/main" val="3886421693"/>
       </p:ext>
     </p:extLst>
   </p:cSld>
@@ -10371,6 +10170,885 @@
       </p:grpSpPr>
       <p:grpSp>
         <p:nvGrpSpPr>
+          <p:cNvPr id="11" name="그룹 10">
+            <a:extLst>
+              <a:ext uri="{FF2B5EF4-FFF2-40B4-BE49-F238E27FC236}">
+                <a16:creationId xmlns:a16="http://schemas.microsoft.com/office/drawing/2014/main" id="{5AB2F4A9-5C3D-4CD1-9980-87E3D97462F1}"/>
+              </a:ext>
+            </a:extLst>
+          </p:cNvPr>
+          <p:cNvGrpSpPr/>
+          <p:nvPr/>
+        </p:nvGrpSpPr>
+        <p:grpSpPr>
+          <a:xfrm>
+            <a:off x="4136977" y="0"/>
+            <a:ext cx="3918045" cy="6858000"/>
+            <a:chOff x="4136977" y="0"/>
+            <a:chExt cx="3918045" cy="6858000"/>
+          </a:xfrm>
+        </p:grpSpPr>
+        <p:pic>
+          <p:nvPicPr>
+            <p:cNvPr id="5" name="그림 4">
+              <a:extLst>
+                <a:ext uri="{FF2B5EF4-FFF2-40B4-BE49-F238E27FC236}">
+                  <a16:creationId xmlns:a16="http://schemas.microsoft.com/office/drawing/2014/main" id="{4A53CF64-4397-42F8-8F22-28B1897B1A07}"/>
+                </a:ext>
+              </a:extLst>
+            </p:cNvPr>
+            <p:cNvPicPr>
+              <a:picLocks noChangeAspect="1"/>
+            </p:cNvPicPr>
+            <p:nvPr/>
+          </p:nvPicPr>
+          <p:blipFill>
+            <a:blip r:embed="rId2"/>
+            <a:stretch>
+              <a:fillRect/>
+            </a:stretch>
+          </p:blipFill>
+          <p:spPr>
+            <a:xfrm>
+              <a:off x="4136977" y="0"/>
+              <a:ext cx="3918045" cy="6858000"/>
+            </a:xfrm>
+            <a:prstGeom prst="rect">
+              <a:avLst/>
+            </a:prstGeom>
+          </p:spPr>
+        </p:pic>
+        <p:sp>
+          <p:nvSpPr>
+            <p:cNvPr id="6" name="직사각형 5">
+              <a:extLst>
+                <a:ext uri="{FF2B5EF4-FFF2-40B4-BE49-F238E27FC236}">
+                  <a16:creationId xmlns:a16="http://schemas.microsoft.com/office/drawing/2014/main" id="{61510286-24D4-4175-9DE6-AF26E2DFE5C6}"/>
+                </a:ext>
+              </a:extLst>
+            </p:cNvPr>
+            <p:cNvSpPr/>
+            <p:nvPr/>
+          </p:nvSpPr>
+          <p:spPr>
+            <a:xfrm>
+              <a:off x="7370064" y="625599"/>
+              <a:ext cx="585216" cy="276610"/>
+            </a:xfrm>
+            <a:prstGeom prst="rect">
+              <a:avLst/>
+            </a:prstGeom>
+            <a:noFill/>
+            <a:ln>
+              <a:solidFill>
+                <a:srgbClr val="FF0000"/>
+              </a:solidFill>
+            </a:ln>
+          </p:spPr>
+          <p:style>
+            <a:lnRef idx="2">
+              <a:schemeClr val="accent1">
+                <a:shade val="50000"/>
+              </a:schemeClr>
+            </a:lnRef>
+            <a:fillRef idx="1">
+              <a:schemeClr val="accent1"/>
+            </a:fillRef>
+            <a:effectRef idx="0">
+              <a:schemeClr val="accent1"/>
+            </a:effectRef>
+            <a:fontRef idx="minor">
+              <a:schemeClr val="lt1"/>
+            </a:fontRef>
+          </p:style>
+          <p:txBody>
+            <a:bodyPr rtlCol="0" anchor="ctr"/>
+            <a:lstStyle/>
+            <a:p>
+              <a:pPr algn="ctr"/>
+              <a:endParaRPr lang="ko-KR" altLang="en-US"/>
+            </a:p>
+          </p:txBody>
+        </p:sp>
+        <p:sp>
+          <p:nvSpPr>
+            <p:cNvPr id="7" name="직사각형 6">
+              <a:extLst>
+                <a:ext uri="{FF2B5EF4-FFF2-40B4-BE49-F238E27FC236}">
+                  <a16:creationId xmlns:a16="http://schemas.microsoft.com/office/drawing/2014/main" id="{7CFAE1F0-DBA6-4004-8BFA-6EA015382091}"/>
+                </a:ext>
+              </a:extLst>
+            </p:cNvPr>
+            <p:cNvSpPr/>
+            <p:nvPr/>
+          </p:nvSpPr>
+          <p:spPr>
+            <a:xfrm>
+              <a:off x="4297680" y="2076446"/>
+              <a:ext cx="3608832" cy="3915921"/>
+            </a:xfrm>
+            <a:prstGeom prst="rect">
+              <a:avLst/>
+            </a:prstGeom>
+            <a:noFill/>
+            <a:ln>
+              <a:solidFill>
+                <a:srgbClr val="FF0000"/>
+              </a:solidFill>
+            </a:ln>
+          </p:spPr>
+          <p:style>
+            <a:lnRef idx="2">
+              <a:schemeClr val="accent1">
+                <a:shade val="50000"/>
+              </a:schemeClr>
+            </a:lnRef>
+            <a:fillRef idx="1">
+              <a:schemeClr val="accent1"/>
+            </a:fillRef>
+            <a:effectRef idx="0">
+              <a:schemeClr val="accent1"/>
+            </a:effectRef>
+            <a:fontRef idx="minor">
+              <a:schemeClr val="lt1"/>
+            </a:fontRef>
+          </p:style>
+          <p:txBody>
+            <a:bodyPr rtlCol="0" anchor="ctr"/>
+            <a:lstStyle/>
+            <a:p>
+              <a:pPr algn="ctr"/>
+              <a:endParaRPr lang="ko-KR" altLang="en-US"/>
+            </a:p>
+          </p:txBody>
+        </p:sp>
+        <p:sp>
+          <p:nvSpPr>
+            <p:cNvPr id="8" name="TextBox 7">
+              <a:extLst>
+                <a:ext uri="{FF2B5EF4-FFF2-40B4-BE49-F238E27FC236}">
+                  <a16:creationId xmlns:a16="http://schemas.microsoft.com/office/drawing/2014/main" id="{8E12EAD6-8F70-46F5-A04F-7C980D6C06C6}"/>
+                </a:ext>
+              </a:extLst>
+            </p:cNvPr>
+            <p:cNvSpPr txBox="1"/>
+            <p:nvPr/>
+          </p:nvSpPr>
+          <p:spPr>
+            <a:xfrm>
+              <a:off x="7192201" y="406142"/>
+              <a:ext cx="611055" cy="276999"/>
+            </a:xfrm>
+            <a:prstGeom prst="rect">
+              <a:avLst/>
+            </a:prstGeom>
+            <a:noFill/>
+          </p:spPr>
+          <p:txBody>
+            <a:bodyPr wrap="square" rtlCol="0">
+              <a:spAutoFit/>
+            </a:bodyPr>
+            <a:lstStyle/>
+            <a:p>
+              <a:r>
+                <a:rPr lang="en-US" altLang="ko-KR" sz="1200">
+                  <a:solidFill>
+                    <a:srgbClr val="FF0000"/>
+                  </a:solidFill>
+                </a:rPr>
+                <a:t>1</a:t>
+              </a:r>
+              <a:endParaRPr lang="ko-KR" altLang="en-US" sz="1200">
+                <a:solidFill>
+                  <a:srgbClr val="FF0000"/>
+                </a:solidFill>
+              </a:endParaRPr>
+            </a:p>
+          </p:txBody>
+        </p:sp>
+        <p:cxnSp>
+          <p:nvCxnSpPr>
+            <p:cNvPr id="9" name="직선 화살표 연결선 8">
+              <a:extLst>
+                <a:ext uri="{FF2B5EF4-FFF2-40B4-BE49-F238E27FC236}">
+                  <a16:creationId xmlns:a16="http://schemas.microsoft.com/office/drawing/2014/main" id="{0EF8E508-8C53-493B-92A7-ED5932AB82BB}"/>
+                </a:ext>
+              </a:extLst>
+            </p:cNvPr>
+            <p:cNvCxnSpPr>
+              <a:cxnSpLocks/>
+            </p:cNvCxnSpPr>
+            <p:nvPr/>
+          </p:nvCxnSpPr>
+          <p:spPr>
+            <a:xfrm flipH="1">
+              <a:off x="6697936" y="902209"/>
+              <a:ext cx="781856" cy="1407872"/>
+            </a:xfrm>
+            <a:prstGeom prst="straightConnector1">
+              <a:avLst/>
+            </a:prstGeom>
+            <a:ln w="12700">
+              <a:solidFill>
+                <a:srgbClr val="FF0000"/>
+              </a:solidFill>
+              <a:tailEnd type="triangle"/>
+            </a:ln>
+          </p:spPr>
+          <p:style>
+            <a:lnRef idx="1">
+              <a:schemeClr val="accent1"/>
+            </a:lnRef>
+            <a:fillRef idx="0">
+              <a:schemeClr val="accent1"/>
+            </a:fillRef>
+            <a:effectRef idx="0">
+              <a:schemeClr val="accent1"/>
+            </a:effectRef>
+            <a:fontRef idx="minor">
+              <a:schemeClr val="tx1"/>
+            </a:fontRef>
+          </p:style>
+        </p:cxnSp>
+      </p:grpSp>
+    </p:spTree>
+    <p:extLst>
+      <p:ext uri="{BB962C8B-B14F-4D97-AF65-F5344CB8AC3E}">
+        <p14:creationId xmlns:p14="http://schemas.microsoft.com/office/powerpoint/2010/main" val="3886421693"/>
+      </p:ext>
+    </p:extLst>
+  </p:cSld>
+  <p:clrMapOvr>
+    <a:masterClrMapping/>
+  </p:clrMapOvr>
+</p:sld>
+</file>
+
+<file path=ppt/slides/slide31.xml><?xml version="1.0" encoding="utf-8"?>
+<p:sld xmlns:a="http://schemas.openxmlformats.org/drawingml/2006/main" xmlns:r="http://schemas.openxmlformats.org/officeDocument/2006/relationships" xmlns:p="http://schemas.openxmlformats.org/presentationml/2006/main">
+  <p:cSld>
+    <p:spTree>
+      <p:nvGrpSpPr>
+        <p:cNvPr id="1" name=""/>
+        <p:cNvGrpSpPr/>
+        <p:nvPr/>
+      </p:nvGrpSpPr>
+      <p:grpSpPr>
+        <a:xfrm>
+          <a:off x="0" y="0"/>
+          <a:ext cx="0" cy="0"/>
+          <a:chOff x="0" y="0"/>
+          <a:chExt cx="0" cy="0"/>
+        </a:xfrm>
+      </p:grpSpPr>
+      <p:grpSp>
+        <p:nvGrpSpPr>
+          <p:cNvPr id="13" name="그룹 12">
+            <a:extLst>
+              <a:ext uri="{FF2B5EF4-FFF2-40B4-BE49-F238E27FC236}">
+                <a16:creationId xmlns:a16="http://schemas.microsoft.com/office/drawing/2014/main" id="{C35E274C-4955-4A8F-9D28-038F1A774DA5}"/>
+              </a:ext>
+            </a:extLst>
+          </p:cNvPr>
+          <p:cNvGrpSpPr/>
+          <p:nvPr/>
+        </p:nvGrpSpPr>
+        <p:grpSpPr>
+          <a:xfrm>
+            <a:off x="210793" y="115824"/>
+            <a:ext cx="11532670" cy="6022848"/>
+            <a:chOff x="210793" y="115824"/>
+            <a:chExt cx="11532670" cy="6022848"/>
+          </a:xfrm>
+        </p:grpSpPr>
+        <p:pic>
+          <p:nvPicPr>
+            <p:cNvPr id="5" name="그림 4">
+              <a:extLst>
+                <a:ext uri="{FF2B5EF4-FFF2-40B4-BE49-F238E27FC236}">
+                  <a16:creationId xmlns:a16="http://schemas.microsoft.com/office/drawing/2014/main" id="{6C7777B7-1D25-4D72-9D11-30F74FBFE1A7}"/>
+                </a:ext>
+              </a:extLst>
+            </p:cNvPr>
+            <p:cNvPicPr>
+              <a:picLocks noChangeAspect="1"/>
+            </p:cNvPicPr>
+            <p:nvPr/>
+          </p:nvPicPr>
+          <p:blipFill>
+            <a:blip r:embed="rId2"/>
+            <a:stretch>
+              <a:fillRect/>
+            </a:stretch>
+          </p:blipFill>
+          <p:spPr>
+            <a:xfrm>
+              <a:off x="5921568" y="115824"/>
+              <a:ext cx="5821895" cy="6022848"/>
+            </a:xfrm>
+            <a:prstGeom prst="rect">
+              <a:avLst/>
+            </a:prstGeom>
+          </p:spPr>
+        </p:pic>
+        <p:pic>
+          <p:nvPicPr>
+            <p:cNvPr id="6" name="그림 5">
+              <a:extLst>
+                <a:ext uri="{FF2B5EF4-FFF2-40B4-BE49-F238E27FC236}">
+                  <a16:creationId xmlns:a16="http://schemas.microsoft.com/office/drawing/2014/main" id="{E0BCBF9B-5001-427E-BDF4-D3EEC9B009F5}"/>
+                </a:ext>
+              </a:extLst>
+            </p:cNvPr>
+            <p:cNvPicPr>
+              <a:picLocks noChangeAspect="1"/>
+            </p:cNvPicPr>
+            <p:nvPr/>
+          </p:nvPicPr>
+          <p:blipFill>
+            <a:blip r:embed="rId3"/>
+            <a:stretch>
+              <a:fillRect/>
+            </a:stretch>
+          </p:blipFill>
+          <p:spPr>
+            <a:xfrm>
+              <a:off x="210793" y="147949"/>
+              <a:ext cx="5226839" cy="5958597"/>
+            </a:xfrm>
+            <a:prstGeom prst="rect">
+              <a:avLst/>
+            </a:prstGeom>
+          </p:spPr>
+        </p:pic>
+        <p:sp>
+          <p:nvSpPr>
+            <p:cNvPr id="7" name="직사각형 6">
+              <a:extLst>
+                <a:ext uri="{FF2B5EF4-FFF2-40B4-BE49-F238E27FC236}">
+                  <a16:creationId xmlns:a16="http://schemas.microsoft.com/office/drawing/2014/main" id="{E78DC874-A019-4C88-B9B7-34E4537FD86A}"/>
+                </a:ext>
+              </a:extLst>
+            </p:cNvPr>
+            <p:cNvSpPr/>
+            <p:nvPr/>
+          </p:nvSpPr>
+          <p:spPr>
+            <a:xfrm>
+              <a:off x="3474720" y="979167"/>
+              <a:ext cx="1121664" cy="276610"/>
+            </a:xfrm>
+            <a:prstGeom prst="rect">
+              <a:avLst/>
+            </a:prstGeom>
+            <a:noFill/>
+            <a:ln>
+              <a:solidFill>
+                <a:srgbClr val="FF0000"/>
+              </a:solidFill>
+            </a:ln>
+          </p:spPr>
+          <p:style>
+            <a:lnRef idx="2">
+              <a:schemeClr val="accent1">
+                <a:shade val="50000"/>
+              </a:schemeClr>
+            </a:lnRef>
+            <a:fillRef idx="1">
+              <a:schemeClr val="accent1"/>
+            </a:fillRef>
+            <a:effectRef idx="0">
+              <a:schemeClr val="accent1"/>
+            </a:effectRef>
+            <a:fontRef idx="minor">
+              <a:schemeClr val="lt1"/>
+            </a:fontRef>
+          </p:style>
+          <p:txBody>
+            <a:bodyPr rtlCol="0" anchor="ctr"/>
+            <a:lstStyle/>
+            <a:p>
+              <a:pPr algn="ctr"/>
+              <a:endParaRPr lang="ko-KR" altLang="en-US"/>
+            </a:p>
+          </p:txBody>
+        </p:sp>
+        <p:sp>
+          <p:nvSpPr>
+            <p:cNvPr id="8" name="TextBox 7">
+              <a:extLst>
+                <a:ext uri="{FF2B5EF4-FFF2-40B4-BE49-F238E27FC236}">
+                  <a16:creationId xmlns:a16="http://schemas.microsoft.com/office/drawing/2014/main" id="{387E88BB-4427-4CE9-8088-990B817D366D}"/>
+                </a:ext>
+              </a:extLst>
+            </p:cNvPr>
+            <p:cNvSpPr txBox="1"/>
+            <p:nvPr/>
+          </p:nvSpPr>
+          <p:spPr>
+            <a:xfrm>
+              <a:off x="3254185" y="924302"/>
+              <a:ext cx="611055" cy="276999"/>
+            </a:xfrm>
+            <a:prstGeom prst="rect">
+              <a:avLst/>
+            </a:prstGeom>
+            <a:noFill/>
+          </p:spPr>
+          <p:txBody>
+            <a:bodyPr wrap="square" rtlCol="0">
+              <a:spAutoFit/>
+            </a:bodyPr>
+            <a:lstStyle/>
+            <a:p>
+              <a:r>
+                <a:rPr lang="en-US" altLang="ko-KR" sz="1200">
+                  <a:solidFill>
+                    <a:srgbClr val="FF0000"/>
+                  </a:solidFill>
+                </a:rPr>
+                <a:t>1</a:t>
+              </a:r>
+              <a:endParaRPr lang="ko-KR" altLang="en-US" sz="1200">
+                <a:solidFill>
+                  <a:srgbClr val="FF0000"/>
+                </a:solidFill>
+              </a:endParaRPr>
+            </a:p>
+          </p:txBody>
+        </p:sp>
+        <p:cxnSp>
+          <p:nvCxnSpPr>
+            <p:cNvPr id="9" name="직선 화살표 연결선 8">
+              <a:extLst>
+                <a:ext uri="{FF2B5EF4-FFF2-40B4-BE49-F238E27FC236}">
+                  <a16:creationId xmlns:a16="http://schemas.microsoft.com/office/drawing/2014/main" id="{6B694A9C-B3FE-4FA3-8359-A004A15F89C2}"/>
+                </a:ext>
+              </a:extLst>
+            </p:cNvPr>
+            <p:cNvCxnSpPr>
+              <a:cxnSpLocks/>
+            </p:cNvCxnSpPr>
+            <p:nvPr/>
+          </p:nvCxnSpPr>
+          <p:spPr>
+            <a:xfrm>
+              <a:off x="4596384" y="1255777"/>
+              <a:ext cx="3712464" cy="2173223"/>
+            </a:xfrm>
+            <a:prstGeom prst="straightConnector1">
+              <a:avLst/>
+            </a:prstGeom>
+            <a:ln w="12700">
+              <a:solidFill>
+                <a:srgbClr val="FF0000"/>
+              </a:solidFill>
+              <a:tailEnd type="triangle"/>
+            </a:ln>
+          </p:spPr>
+          <p:style>
+            <a:lnRef idx="1">
+              <a:schemeClr val="accent1"/>
+            </a:lnRef>
+            <a:fillRef idx="0">
+              <a:schemeClr val="accent1"/>
+            </a:fillRef>
+            <a:effectRef idx="0">
+              <a:schemeClr val="accent1"/>
+            </a:effectRef>
+            <a:fontRef idx="minor">
+              <a:schemeClr val="tx1"/>
+            </a:fontRef>
+          </p:style>
+        </p:cxnSp>
+        <p:sp>
+          <p:nvSpPr>
+            <p:cNvPr id="12" name="직사각형 11">
+              <a:extLst>
+                <a:ext uri="{FF2B5EF4-FFF2-40B4-BE49-F238E27FC236}">
+                  <a16:creationId xmlns:a16="http://schemas.microsoft.com/office/drawing/2014/main" id="{838C4D69-452A-4D0E-A6C4-56D831ED9C5B}"/>
+                </a:ext>
+              </a:extLst>
+            </p:cNvPr>
+            <p:cNvSpPr/>
+            <p:nvPr/>
+          </p:nvSpPr>
+          <p:spPr>
+            <a:xfrm>
+              <a:off x="8368042" y="3216398"/>
+              <a:ext cx="1812277" cy="1062993"/>
+            </a:xfrm>
+            <a:prstGeom prst="rect">
+              <a:avLst/>
+            </a:prstGeom>
+            <a:noFill/>
+            <a:ln>
+              <a:solidFill>
+                <a:srgbClr val="FF0000"/>
+              </a:solidFill>
+            </a:ln>
+          </p:spPr>
+          <p:style>
+            <a:lnRef idx="2">
+              <a:schemeClr val="accent1">
+                <a:shade val="50000"/>
+              </a:schemeClr>
+            </a:lnRef>
+            <a:fillRef idx="1">
+              <a:schemeClr val="accent1"/>
+            </a:fillRef>
+            <a:effectRef idx="0">
+              <a:schemeClr val="accent1"/>
+            </a:effectRef>
+            <a:fontRef idx="minor">
+              <a:schemeClr val="lt1"/>
+            </a:fontRef>
+          </p:style>
+          <p:txBody>
+            <a:bodyPr rtlCol="0" anchor="ctr"/>
+            <a:lstStyle/>
+            <a:p>
+              <a:pPr algn="ctr"/>
+              <a:endParaRPr lang="ko-KR" altLang="en-US"/>
+            </a:p>
+          </p:txBody>
+        </p:sp>
+      </p:grpSp>
+    </p:spTree>
+    <p:extLst>
+      <p:ext uri="{BB962C8B-B14F-4D97-AF65-F5344CB8AC3E}">
+        <p14:creationId xmlns:p14="http://schemas.microsoft.com/office/powerpoint/2010/main" val="3443938867"/>
+      </p:ext>
+    </p:extLst>
+  </p:cSld>
+  <p:clrMapOvr>
+    <a:masterClrMapping/>
+  </p:clrMapOvr>
+</p:sld>
+</file>
+
+<file path=ppt/slides/slide32.xml><?xml version="1.0" encoding="utf-8"?>
+<p:sld xmlns:a="http://schemas.openxmlformats.org/drawingml/2006/main" xmlns:r="http://schemas.openxmlformats.org/officeDocument/2006/relationships" xmlns:p="http://schemas.openxmlformats.org/presentationml/2006/main">
+  <p:cSld>
+    <p:spTree>
+      <p:nvGrpSpPr>
+        <p:cNvPr id="1" name=""/>
+        <p:cNvGrpSpPr/>
+        <p:nvPr/>
+      </p:nvGrpSpPr>
+      <p:grpSpPr>
+        <a:xfrm>
+          <a:off x="0" y="0"/>
+          <a:ext cx="0" cy="0"/>
+          <a:chOff x="0" y="0"/>
+          <a:chExt cx="0" cy="0"/>
+        </a:xfrm>
+      </p:grpSpPr>
+      <p:grpSp>
+        <p:nvGrpSpPr>
+          <p:cNvPr id="14" name="그룹 13">
+            <a:extLst>
+              <a:ext uri="{FF2B5EF4-FFF2-40B4-BE49-F238E27FC236}">
+                <a16:creationId xmlns:a16="http://schemas.microsoft.com/office/drawing/2014/main" id="{6C900403-0362-4C99-9C92-84F373E16C30}"/>
+              </a:ext>
+            </a:extLst>
+          </p:cNvPr>
+          <p:cNvGrpSpPr/>
+          <p:nvPr/>
+        </p:nvGrpSpPr>
+        <p:grpSpPr>
+          <a:xfrm>
+            <a:off x="803424" y="377952"/>
+            <a:ext cx="10654843" cy="6102096"/>
+            <a:chOff x="803424" y="377952"/>
+            <a:chExt cx="10654843" cy="6102096"/>
+          </a:xfrm>
+        </p:grpSpPr>
+        <p:pic>
+          <p:nvPicPr>
+            <p:cNvPr id="5" name="그림 4">
+              <a:extLst>
+                <a:ext uri="{FF2B5EF4-FFF2-40B4-BE49-F238E27FC236}">
+                  <a16:creationId xmlns:a16="http://schemas.microsoft.com/office/drawing/2014/main" id="{33C328DE-6D9E-4C41-8564-3E2358C7CE0E}"/>
+                </a:ext>
+              </a:extLst>
+            </p:cNvPr>
+            <p:cNvPicPr>
+              <a:picLocks noChangeAspect="1"/>
+            </p:cNvPicPr>
+            <p:nvPr/>
+          </p:nvPicPr>
+          <p:blipFill>
+            <a:blip r:embed="rId2"/>
+            <a:stretch>
+              <a:fillRect/>
+            </a:stretch>
+          </p:blipFill>
+          <p:spPr>
+            <a:xfrm>
+              <a:off x="6161384" y="377952"/>
+              <a:ext cx="5296883" cy="6102096"/>
+            </a:xfrm>
+            <a:prstGeom prst="rect">
+              <a:avLst/>
+            </a:prstGeom>
+          </p:spPr>
+        </p:pic>
+        <p:pic>
+          <p:nvPicPr>
+            <p:cNvPr id="7" name="그림 6">
+              <a:extLst>
+                <a:ext uri="{FF2B5EF4-FFF2-40B4-BE49-F238E27FC236}">
+                  <a16:creationId xmlns:a16="http://schemas.microsoft.com/office/drawing/2014/main" id="{A2A5D454-BD42-4CCB-B29F-F436A591196E}"/>
+                </a:ext>
+              </a:extLst>
+            </p:cNvPr>
+            <p:cNvPicPr>
+              <a:picLocks noChangeAspect="1"/>
+            </p:cNvPicPr>
+            <p:nvPr/>
+          </p:nvPicPr>
+          <p:blipFill>
+            <a:blip r:embed="rId3"/>
+            <a:stretch>
+              <a:fillRect/>
+            </a:stretch>
+          </p:blipFill>
+          <p:spPr>
+            <a:xfrm>
+              <a:off x="803424" y="896112"/>
+              <a:ext cx="4929256" cy="5309616"/>
+            </a:xfrm>
+            <a:prstGeom prst="rect">
+              <a:avLst/>
+            </a:prstGeom>
+          </p:spPr>
+        </p:pic>
+        <p:sp>
+          <p:nvSpPr>
+            <p:cNvPr id="8" name="직사각형 7">
+              <a:extLst>
+                <a:ext uri="{FF2B5EF4-FFF2-40B4-BE49-F238E27FC236}">
+                  <a16:creationId xmlns:a16="http://schemas.microsoft.com/office/drawing/2014/main" id="{4EFC392E-2CE1-4835-901F-5E85D38428B3}"/>
+                </a:ext>
+              </a:extLst>
+            </p:cNvPr>
+            <p:cNvSpPr/>
+            <p:nvPr/>
+          </p:nvSpPr>
+          <p:spPr>
+            <a:xfrm>
+              <a:off x="4376928" y="1759455"/>
+              <a:ext cx="1121664" cy="276610"/>
+            </a:xfrm>
+            <a:prstGeom prst="rect">
+              <a:avLst/>
+            </a:prstGeom>
+            <a:noFill/>
+            <a:ln>
+              <a:solidFill>
+                <a:srgbClr val="FF0000"/>
+              </a:solidFill>
+            </a:ln>
+          </p:spPr>
+          <p:style>
+            <a:lnRef idx="2">
+              <a:schemeClr val="accent1">
+                <a:shade val="50000"/>
+              </a:schemeClr>
+            </a:lnRef>
+            <a:fillRef idx="1">
+              <a:schemeClr val="accent1"/>
+            </a:fillRef>
+            <a:effectRef idx="0">
+              <a:schemeClr val="accent1"/>
+            </a:effectRef>
+            <a:fontRef idx="minor">
+              <a:schemeClr val="lt1"/>
+            </a:fontRef>
+          </p:style>
+          <p:txBody>
+            <a:bodyPr rtlCol="0" anchor="ctr"/>
+            <a:lstStyle/>
+            <a:p>
+              <a:pPr algn="ctr"/>
+              <a:endParaRPr lang="ko-KR" altLang="en-US"/>
+            </a:p>
+          </p:txBody>
+        </p:sp>
+        <p:sp>
+          <p:nvSpPr>
+            <p:cNvPr id="9" name="TextBox 8">
+              <a:extLst>
+                <a:ext uri="{FF2B5EF4-FFF2-40B4-BE49-F238E27FC236}">
+                  <a16:creationId xmlns:a16="http://schemas.microsoft.com/office/drawing/2014/main" id="{B5B1B096-68A9-469E-ADC0-3989E45B17AE}"/>
+                </a:ext>
+              </a:extLst>
+            </p:cNvPr>
+            <p:cNvSpPr txBox="1"/>
+            <p:nvPr/>
+          </p:nvSpPr>
+          <p:spPr>
+            <a:xfrm>
+              <a:off x="4205161" y="1759455"/>
+              <a:ext cx="611055" cy="276999"/>
+            </a:xfrm>
+            <a:prstGeom prst="rect">
+              <a:avLst/>
+            </a:prstGeom>
+            <a:noFill/>
+          </p:spPr>
+          <p:txBody>
+            <a:bodyPr wrap="square" rtlCol="0">
+              <a:spAutoFit/>
+            </a:bodyPr>
+            <a:lstStyle/>
+            <a:p>
+              <a:r>
+                <a:rPr lang="en-US" altLang="ko-KR" sz="1200">
+                  <a:solidFill>
+                    <a:srgbClr val="FF0000"/>
+                  </a:solidFill>
+                </a:rPr>
+                <a:t>1</a:t>
+              </a:r>
+              <a:endParaRPr lang="ko-KR" altLang="en-US" sz="1200">
+                <a:solidFill>
+                  <a:srgbClr val="FF0000"/>
+                </a:solidFill>
+              </a:endParaRPr>
+            </a:p>
+          </p:txBody>
+        </p:sp>
+        <p:cxnSp>
+          <p:nvCxnSpPr>
+            <p:cNvPr id="10" name="직선 화살표 연결선 9">
+              <a:extLst>
+                <a:ext uri="{FF2B5EF4-FFF2-40B4-BE49-F238E27FC236}">
+                  <a16:creationId xmlns:a16="http://schemas.microsoft.com/office/drawing/2014/main" id="{AAD04571-F910-4C8B-865D-5A3320EA0301}"/>
+                </a:ext>
+              </a:extLst>
+            </p:cNvPr>
+            <p:cNvCxnSpPr>
+              <a:cxnSpLocks/>
+            </p:cNvCxnSpPr>
+            <p:nvPr/>
+          </p:nvCxnSpPr>
+          <p:spPr>
+            <a:xfrm>
+              <a:off x="5498592" y="1897760"/>
+              <a:ext cx="3025781" cy="1653160"/>
+            </a:xfrm>
+            <a:prstGeom prst="straightConnector1">
+              <a:avLst/>
+            </a:prstGeom>
+            <a:ln w="12700">
+              <a:solidFill>
+                <a:srgbClr val="FF0000"/>
+              </a:solidFill>
+              <a:tailEnd type="triangle"/>
+            </a:ln>
+          </p:spPr>
+          <p:style>
+            <a:lnRef idx="1">
+              <a:schemeClr val="accent1"/>
+            </a:lnRef>
+            <a:fillRef idx="0">
+              <a:schemeClr val="accent1"/>
+            </a:fillRef>
+            <a:effectRef idx="0">
+              <a:schemeClr val="accent1"/>
+            </a:effectRef>
+            <a:fontRef idx="minor">
+              <a:schemeClr val="tx1"/>
+            </a:fontRef>
+          </p:style>
+        </p:cxnSp>
+        <p:sp>
+          <p:nvSpPr>
+            <p:cNvPr id="11" name="직사각형 10">
+              <a:extLst>
+                <a:ext uri="{FF2B5EF4-FFF2-40B4-BE49-F238E27FC236}">
+                  <a16:creationId xmlns:a16="http://schemas.microsoft.com/office/drawing/2014/main" id="{74A100D2-91AD-4A02-988E-89E47CE1E2C9}"/>
+                </a:ext>
+              </a:extLst>
+            </p:cNvPr>
+            <p:cNvSpPr/>
+            <p:nvPr/>
+          </p:nvSpPr>
+          <p:spPr>
+            <a:xfrm>
+              <a:off x="8524373" y="3368798"/>
+              <a:ext cx="1812277" cy="1062993"/>
+            </a:xfrm>
+            <a:prstGeom prst="rect">
+              <a:avLst/>
+            </a:prstGeom>
+            <a:noFill/>
+            <a:ln>
+              <a:solidFill>
+                <a:srgbClr val="FF0000"/>
+              </a:solidFill>
+            </a:ln>
+          </p:spPr>
+          <p:style>
+            <a:lnRef idx="2">
+              <a:schemeClr val="accent1">
+                <a:shade val="50000"/>
+              </a:schemeClr>
+            </a:lnRef>
+            <a:fillRef idx="1">
+              <a:schemeClr val="accent1"/>
+            </a:fillRef>
+            <a:effectRef idx="0">
+              <a:schemeClr val="accent1"/>
+            </a:effectRef>
+            <a:fontRef idx="minor">
+              <a:schemeClr val="lt1"/>
+            </a:fontRef>
+          </p:style>
+          <p:txBody>
+            <a:bodyPr rtlCol="0" anchor="ctr"/>
+            <a:lstStyle/>
+            <a:p>
+              <a:pPr algn="ctr"/>
+              <a:endParaRPr lang="ko-KR" altLang="en-US"/>
+            </a:p>
+          </p:txBody>
+        </p:sp>
+      </p:grpSp>
+    </p:spTree>
+    <p:extLst>
+      <p:ext uri="{BB962C8B-B14F-4D97-AF65-F5344CB8AC3E}">
+        <p14:creationId xmlns:p14="http://schemas.microsoft.com/office/powerpoint/2010/main" val="1645387879"/>
+      </p:ext>
+    </p:extLst>
+  </p:cSld>
+  <p:clrMapOvr>
+    <a:masterClrMapping/>
+  </p:clrMapOvr>
+</p:sld>
+</file>
+
+<file path=ppt/slides/slide33.xml><?xml version="1.0" encoding="utf-8"?>
+<p:sld xmlns:a="http://schemas.openxmlformats.org/drawingml/2006/main" xmlns:r="http://schemas.openxmlformats.org/officeDocument/2006/relationships" xmlns:p="http://schemas.openxmlformats.org/presentationml/2006/main">
+  <p:cSld>
+    <p:spTree>
+      <p:nvGrpSpPr>
+        <p:cNvPr id="1" name=""/>
+        <p:cNvGrpSpPr/>
+        <p:nvPr/>
+      </p:nvGrpSpPr>
+      <p:grpSpPr>
+        <a:xfrm>
+          <a:off x="0" y="0"/>
+          <a:ext cx="0" cy="0"/>
+          <a:chOff x="0" y="0"/>
+          <a:chExt cx="0" cy="0"/>
+        </a:xfrm>
+      </p:grpSpPr>
+      <p:grpSp>
+        <p:nvGrpSpPr>
           <p:cNvPr id="10" name="그룹 9">
             <a:extLst>
               <a:ext uri="{FF2B5EF4-FFF2-40B4-BE49-F238E27FC236}">
@@ -10434,7 +11112,7 @@
           <p:spPr>
             <a:xfrm>
               <a:off x="4504941" y="676656"/>
-              <a:ext cx="4322067" cy="2097024"/>
+              <a:ext cx="4322067" cy="1597152"/>
             </a:xfrm>
             <a:prstGeom prst="rect">
               <a:avLst/>
@@ -10529,8 +11207,8 @@
           </p:nvSpPr>
           <p:spPr>
             <a:xfrm>
-              <a:off x="4504941" y="2773680"/>
-              <a:ext cx="4322067" cy="2097024"/>
+              <a:off x="4504941" y="2273808"/>
+              <a:ext cx="4322067" cy="2596896"/>
             </a:xfrm>
             <a:prstGeom prst="rect">
               <a:avLst/>
@@ -10625,7 +11303,7 @@
 </p:sld>
 </file>
 
-<file path=ppt/slides/slide31.xml><?xml version="1.0" encoding="utf-8"?>
+<file path=ppt/slides/slide34.xml><?xml version="1.0" encoding="utf-8"?>
 <p:sld xmlns:a="http://schemas.openxmlformats.org/drawingml/2006/main" xmlns:r="http://schemas.openxmlformats.org/officeDocument/2006/relationships" xmlns:p="http://schemas.openxmlformats.org/presentationml/2006/main">
   <p:cSld>
     <p:spTree>
@@ -11090,7 +11768,7 @@
 </p:sld>
 </file>
 
-<file path=ppt/slides/slide32.xml><?xml version="1.0" encoding="utf-8"?>
+<file path=ppt/slides/slide35.xml><?xml version="1.0" encoding="utf-8"?>
 <p:sld xmlns:a="http://schemas.openxmlformats.org/drawingml/2006/main" xmlns:r="http://schemas.openxmlformats.org/officeDocument/2006/relationships" xmlns:p="http://schemas.openxmlformats.org/presentationml/2006/main">
   <p:cSld>
     <p:spTree>
@@ -11905,7 +12583,7 @@
 </p:sld>
 </file>
 
-<file path=ppt/slides/slide33.xml><?xml version="1.0" encoding="utf-8"?>
+<file path=ppt/slides/slide36.xml><?xml version="1.0" encoding="utf-8"?>
 <p:sld xmlns:a="http://schemas.openxmlformats.org/drawingml/2006/main" xmlns:r="http://schemas.openxmlformats.org/officeDocument/2006/relationships" xmlns:p="http://schemas.openxmlformats.org/presentationml/2006/main">
   <p:cSld>
     <p:spTree>
@@ -12178,7 +12856,465 @@
 </p:sld>
 </file>
 
-<file path=ppt/slides/slide34.xml><?xml version="1.0" encoding="utf-8"?>
+<file path=ppt/slides/slide37.xml><?xml version="1.0" encoding="utf-8"?>
+<p:sld xmlns:a="http://schemas.openxmlformats.org/drawingml/2006/main" xmlns:r="http://schemas.openxmlformats.org/officeDocument/2006/relationships" xmlns:p="http://schemas.openxmlformats.org/presentationml/2006/main">
+  <p:cSld>
+    <p:spTree>
+      <p:nvGrpSpPr>
+        <p:cNvPr id="1" name=""/>
+        <p:cNvGrpSpPr/>
+        <p:nvPr/>
+      </p:nvGrpSpPr>
+      <p:grpSpPr>
+        <a:xfrm>
+          <a:off x="0" y="0"/>
+          <a:ext cx="0" cy="0"/>
+          <a:chOff x="0" y="0"/>
+          <a:chExt cx="0" cy="0"/>
+        </a:xfrm>
+      </p:grpSpPr>
+      <p:grpSp>
+        <p:nvGrpSpPr>
+          <p:cNvPr id="7" name="그룹 6">
+            <a:extLst>
+              <a:ext uri="{FF2B5EF4-FFF2-40B4-BE49-F238E27FC236}">
+                <a16:creationId xmlns:a16="http://schemas.microsoft.com/office/drawing/2014/main" id="{08B805B4-8051-41C0-8046-898F0C78358C}"/>
+              </a:ext>
+            </a:extLst>
+          </p:cNvPr>
+          <p:cNvGrpSpPr/>
+          <p:nvPr/>
+        </p:nvGrpSpPr>
+        <p:grpSpPr>
+          <a:xfrm>
+            <a:off x="0" y="1376307"/>
+            <a:ext cx="12192000" cy="4105385"/>
+            <a:chOff x="0" y="1376307"/>
+            <a:chExt cx="12192000" cy="4105385"/>
+          </a:xfrm>
+        </p:grpSpPr>
+        <p:pic>
+          <p:nvPicPr>
+            <p:cNvPr id="5" name="그림 4">
+              <a:extLst>
+                <a:ext uri="{FF2B5EF4-FFF2-40B4-BE49-F238E27FC236}">
+                  <a16:creationId xmlns:a16="http://schemas.microsoft.com/office/drawing/2014/main" id="{DED4534C-721B-44D2-9D0E-C77EEA693F29}"/>
+                </a:ext>
+              </a:extLst>
+            </p:cNvPr>
+            <p:cNvPicPr>
+              <a:picLocks noChangeAspect="1"/>
+            </p:cNvPicPr>
+            <p:nvPr/>
+          </p:nvPicPr>
+          <p:blipFill>
+            <a:blip r:embed="rId2"/>
+            <a:stretch>
+              <a:fillRect/>
+            </a:stretch>
+          </p:blipFill>
+          <p:spPr>
+            <a:xfrm>
+              <a:off x="0" y="1376307"/>
+              <a:ext cx="12192000" cy="4105385"/>
+            </a:xfrm>
+            <a:prstGeom prst="rect">
+              <a:avLst/>
+            </a:prstGeom>
+          </p:spPr>
+        </p:pic>
+        <p:sp>
+          <p:nvSpPr>
+            <p:cNvPr id="6" name="직사각형 5">
+              <a:extLst>
+                <a:ext uri="{FF2B5EF4-FFF2-40B4-BE49-F238E27FC236}">
+                  <a16:creationId xmlns:a16="http://schemas.microsoft.com/office/drawing/2014/main" id="{8E9B6595-4ED7-4964-9F13-D2E5CB7551B0}"/>
+                </a:ext>
+              </a:extLst>
+            </p:cNvPr>
+            <p:cNvSpPr/>
+            <p:nvPr/>
+          </p:nvSpPr>
+          <p:spPr>
+            <a:xfrm>
+              <a:off x="3417956" y="2976301"/>
+              <a:ext cx="5293227" cy="272868"/>
+            </a:xfrm>
+            <a:prstGeom prst="rect">
+              <a:avLst/>
+            </a:prstGeom>
+            <a:noFill/>
+            <a:ln>
+              <a:solidFill>
+                <a:srgbClr val="FF0000"/>
+              </a:solidFill>
+            </a:ln>
+          </p:spPr>
+          <p:style>
+            <a:lnRef idx="2">
+              <a:schemeClr val="accent1">
+                <a:shade val="50000"/>
+              </a:schemeClr>
+            </a:lnRef>
+            <a:fillRef idx="1">
+              <a:schemeClr val="accent1"/>
+            </a:fillRef>
+            <a:effectRef idx="0">
+              <a:schemeClr val="accent1"/>
+            </a:effectRef>
+            <a:fontRef idx="minor">
+              <a:schemeClr val="lt1"/>
+            </a:fontRef>
+          </p:style>
+          <p:txBody>
+            <a:bodyPr rtlCol="0" anchor="ctr"/>
+            <a:lstStyle/>
+            <a:p>
+              <a:pPr algn="ctr"/>
+              <a:endParaRPr lang="ko-KR" altLang="en-US"/>
+            </a:p>
+          </p:txBody>
+        </p:sp>
+      </p:grpSp>
+    </p:spTree>
+    <p:extLst>
+      <p:ext uri="{BB962C8B-B14F-4D97-AF65-F5344CB8AC3E}">
+        <p14:creationId xmlns:p14="http://schemas.microsoft.com/office/powerpoint/2010/main" val="3582755997"/>
+      </p:ext>
+    </p:extLst>
+  </p:cSld>
+  <p:clrMapOvr>
+    <a:masterClrMapping/>
+  </p:clrMapOvr>
+</p:sld>
+</file>
+
+<file path=ppt/slides/slide38.xml><?xml version="1.0" encoding="utf-8"?>
+<p:sld xmlns:a="http://schemas.openxmlformats.org/drawingml/2006/main" xmlns:r="http://schemas.openxmlformats.org/officeDocument/2006/relationships" xmlns:p="http://schemas.openxmlformats.org/presentationml/2006/main">
+  <p:cSld>
+    <p:spTree>
+      <p:nvGrpSpPr>
+        <p:cNvPr id="1" name=""/>
+        <p:cNvGrpSpPr/>
+        <p:nvPr/>
+      </p:nvGrpSpPr>
+      <p:grpSpPr>
+        <a:xfrm>
+          <a:off x="0" y="0"/>
+          <a:ext cx="0" cy="0"/>
+          <a:chOff x="0" y="0"/>
+          <a:chExt cx="0" cy="0"/>
+        </a:xfrm>
+      </p:grpSpPr>
+      <p:grpSp>
+        <p:nvGrpSpPr>
+          <p:cNvPr id="17" name="그룹 16">
+            <a:extLst>
+              <a:ext uri="{FF2B5EF4-FFF2-40B4-BE49-F238E27FC236}">
+                <a16:creationId xmlns:a16="http://schemas.microsoft.com/office/drawing/2014/main" id="{E324D756-3E8F-4CC1-ABF1-A7EF4C6A6389}"/>
+              </a:ext>
+            </a:extLst>
+          </p:cNvPr>
+          <p:cNvGrpSpPr/>
+          <p:nvPr/>
+        </p:nvGrpSpPr>
+        <p:grpSpPr>
+          <a:xfrm>
+            <a:off x="500087" y="-115824"/>
+            <a:ext cx="9850706" cy="6858000"/>
+            <a:chOff x="500087" y="-115824"/>
+            <a:chExt cx="9850706" cy="6858000"/>
+          </a:xfrm>
+        </p:grpSpPr>
+        <p:pic>
+          <p:nvPicPr>
+            <p:cNvPr id="5" name="그림 4">
+              <a:extLst>
+                <a:ext uri="{FF2B5EF4-FFF2-40B4-BE49-F238E27FC236}">
+                  <a16:creationId xmlns:a16="http://schemas.microsoft.com/office/drawing/2014/main" id="{D707B201-E61D-46CB-BFE7-EC4957FFACF8}"/>
+                </a:ext>
+              </a:extLst>
+            </p:cNvPr>
+            <p:cNvPicPr>
+              <a:picLocks noChangeAspect="1"/>
+            </p:cNvPicPr>
+            <p:nvPr/>
+          </p:nvPicPr>
+          <p:blipFill>
+            <a:blip r:embed="rId2"/>
+            <a:stretch>
+              <a:fillRect/>
+            </a:stretch>
+          </p:blipFill>
+          <p:spPr>
+            <a:xfrm>
+              <a:off x="500087" y="-115824"/>
+              <a:ext cx="9850706" cy="6858000"/>
+            </a:xfrm>
+            <a:prstGeom prst="rect">
+              <a:avLst/>
+            </a:prstGeom>
+          </p:spPr>
+        </p:pic>
+        <p:sp>
+          <p:nvSpPr>
+            <p:cNvPr id="6" name="직사각형 5">
+              <a:extLst>
+                <a:ext uri="{FF2B5EF4-FFF2-40B4-BE49-F238E27FC236}">
+                  <a16:creationId xmlns:a16="http://schemas.microsoft.com/office/drawing/2014/main" id="{177373E0-EF92-4A28-9001-2B9A9FE0ADDF}"/>
+                </a:ext>
+              </a:extLst>
+            </p:cNvPr>
+            <p:cNvSpPr/>
+            <p:nvPr/>
+          </p:nvSpPr>
+          <p:spPr>
+            <a:xfrm>
+              <a:off x="6813429" y="2628829"/>
+              <a:ext cx="879724" cy="272867"/>
+            </a:xfrm>
+            <a:prstGeom prst="rect">
+              <a:avLst/>
+            </a:prstGeom>
+            <a:noFill/>
+            <a:ln>
+              <a:solidFill>
+                <a:srgbClr val="FF0000"/>
+              </a:solidFill>
+            </a:ln>
+          </p:spPr>
+          <p:style>
+            <a:lnRef idx="2">
+              <a:schemeClr val="accent1">
+                <a:shade val="50000"/>
+              </a:schemeClr>
+            </a:lnRef>
+            <a:fillRef idx="1">
+              <a:schemeClr val="accent1"/>
+            </a:fillRef>
+            <a:effectRef idx="0">
+              <a:schemeClr val="accent1"/>
+            </a:effectRef>
+            <a:fontRef idx="minor">
+              <a:schemeClr val="lt1"/>
+            </a:fontRef>
+          </p:style>
+          <p:txBody>
+            <a:bodyPr rtlCol="0" anchor="ctr"/>
+            <a:lstStyle/>
+            <a:p>
+              <a:pPr algn="ctr"/>
+              <a:endParaRPr lang="ko-KR" altLang="en-US"/>
+            </a:p>
+          </p:txBody>
+        </p:sp>
+        <p:sp>
+          <p:nvSpPr>
+            <p:cNvPr id="7" name="직사각형 6">
+              <a:extLst>
+                <a:ext uri="{FF2B5EF4-FFF2-40B4-BE49-F238E27FC236}">
+                  <a16:creationId xmlns:a16="http://schemas.microsoft.com/office/drawing/2014/main" id="{9666AC55-1AFB-4BE7-920A-9B1A39026467}"/>
+                </a:ext>
+              </a:extLst>
+            </p:cNvPr>
+            <p:cNvSpPr/>
+            <p:nvPr/>
+          </p:nvSpPr>
+          <p:spPr>
+            <a:xfrm>
+              <a:off x="8136261" y="-115824"/>
+              <a:ext cx="2214532" cy="755904"/>
+            </a:xfrm>
+            <a:prstGeom prst="rect">
+              <a:avLst/>
+            </a:prstGeom>
+            <a:noFill/>
+            <a:ln>
+              <a:solidFill>
+                <a:srgbClr val="FF0000"/>
+              </a:solidFill>
+            </a:ln>
+          </p:spPr>
+          <p:style>
+            <a:lnRef idx="2">
+              <a:schemeClr val="accent1">
+                <a:shade val="50000"/>
+              </a:schemeClr>
+            </a:lnRef>
+            <a:fillRef idx="1">
+              <a:schemeClr val="accent1"/>
+            </a:fillRef>
+            <a:effectRef idx="0">
+              <a:schemeClr val="accent1"/>
+            </a:effectRef>
+            <a:fontRef idx="minor">
+              <a:schemeClr val="lt1"/>
+            </a:fontRef>
+          </p:style>
+          <p:txBody>
+            <a:bodyPr rtlCol="0" anchor="ctr"/>
+            <a:lstStyle/>
+            <a:p>
+              <a:pPr algn="ctr"/>
+              <a:endParaRPr lang="ko-KR" altLang="en-US"/>
+            </a:p>
+          </p:txBody>
+        </p:sp>
+        <p:cxnSp>
+          <p:nvCxnSpPr>
+            <p:cNvPr id="8" name="직선 화살표 연결선 7">
+              <a:extLst>
+                <a:ext uri="{FF2B5EF4-FFF2-40B4-BE49-F238E27FC236}">
+                  <a16:creationId xmlns:a16="http://schemas.microsoft.com/office/drawing/2014/main" id="{01ABBC85-9B5E-4ED3-BDD0-2B4670D61ADC}"/>
+                </a:ext>
+              </a:extLst>
+            </p:cNvPr>
+            <p:cNvCxnSpPr>
+              <a:cxnSpLocks/>
+            </p:cNvCxnSpPr>
+            <p:nvPr/>
+          </p:nvCxnSpPr>
+          <p:spPr>
+            <a:xfrm flipV="1">
+              <a:off x="7644384" y="640080"/>
+              <a:ext cx="883920" cy="1988749"/>
+            </a:xfrm>
+            <a:prstGeom prst="straightConnector1">
+              <a:avLst/>
+            </a:prstGeom>
+            <a:ln w="12700">
+              <a:solidFill>
+                <a:srgbClr val="FF0000"/>
+              </a:solidFill>
+              <a:tailEnd type="triangle"/>
+            </a:ln>
+          </p:spPr>
+          <p:style>
+            <a:lnRef idx="1">
+              <a:schemeClr val="accent1"/>
+            </a:lnRef>
+            <a:fillRef idx="0">
+              <a:schemeClr val="accent1"/>
+            </a:fillRef>
+            <a:effectRef idx="0">
+              <a:schemeClr val="accent1"/>
+            </a:effectRef>
+            <a:fontRef idx="minor">
+              <a:schemeClr val="tx1"/>
+            </a:fontRef>
+          </p:style>
+        </p:cxnSp>
+        <p:sp>
+          <p:nvSpPr>
+            <p:cNvPr id="13" name="직사각형 12">
+              <a:extLst>
+                <a:ext uri="{FF2B5EF4-FFF2-40B4-BE49-F238E27FC236}">
+                  <a16:creationId xmlns:a16="http://schemas.microsoft.com/office/drawing/2014/main" id="{32CB512C-7E33-4E35-88E6-6B449B7E9B7A}"/>
+                </a:ext>
+              </a:extLst>
+            </p:cNvPr>
+            <p:cNvSpPr/>
+            <p:nvPr/>
+          </p:nvSpPr>
+          <p:spPr>
+            <a:xfrm>
+              <a:off x="3198501" y="3311581"/>
+              <a:ext cx="4445883" cy="1138499"/>
+            </a:xfrm>
+            <a:prstGeom prst="rect">
+              <a:avLst/>
+            </a:prstGeom>
+            <a:noFill/>
+            <a:ln>
+              <a:solidFill>
+                <a:srgbClr val="FF0000"/>
+              </a:solidFill>
+            </a:ln>
+          </p:spPr>
+          <p:style>
+            <a:lnRef idx="2">
+              <a:schemeClr val="accent1">
+                <a:shade val="50000"/>
+              </a:schemeClr>
+            </a:lnRef>
+            <a:fillRef idx="1">
+              <a:schemeClr val="accent1"/>
+            </a:fillRef>
+            <a:effectRef idx="0">
+              <a:schemeClr val="accent1"/>
+            </a:effectRef>
+            <a:fontRef idx="minor">
+              <a:schemeClr val="lt1"/>
+            </a:fontRef>
+          </p:style>
+          <p:txBody>
+            <a:bodyPr rtlCol="0" anchor="ctr"/>
+            <a:lstStyle/>
+            <a:p>
+              <a:pPr algn="ctr"/>
+              <a:endParaRPr lang="ko-KR" altLang="en-US"/>
+            </a:p>
+          </p:txBody>
+        </p:sp>
+        <p:cxnSp>
+          <p:nvCxnSpPr>
+            <p:cNvPr id="14" name="직선 화살표 연결선 13">
+              <a:extLst>
+                <a:ext uri="{FF2B5EF4-FFF2-40B4-BE49-F238E27FC236}">
+                  <a16:creationId xmlns:a16="http://schemas.microsoft.com/office/drawing/2014/main" id="{091434ED-DA4D-4DF6-97F8-40F2560C023B}"/>
+                </a:ext>
+              </a:extLst>
+            </p:cNvPr>
+            <p:cNvCxnSpPr>
+              <a:cxnSpLocks/>
+            </p:cNvCxnSpPr>
+            <p:nvPr/>
+          </p:nvCxnSpPr>
+          <p:spPr>
+            <a:xfrm flipV="1">
+              <a:off x="6327648" y="2859024"/>
+              <a:ext cx="950976" cy="452557"/>
+            </a:xfrm>
+            <a:prstGeom prst="straightConnector1">
+              <a:avLst/>
+            </a:prstGeom>
+            <a:ln w="12700">
+              <a:solidFill>
+                <a:srgbClr val="FF0000"/>
+              </a:solidFill>
+              <a:tailEnd type="triangle"/>
+            </a:ln>
+          </p:spPr>
+          <p:style>
+            <a:lnRef idx="1">
+              <a:schemeClr val="accent1"/>
+            </a:lnRef>
+            <a:fillRef idx="0">
+              <a:schemeClr val="accent1"/>
+            </a:fillRef>
+            <a:effectRef idx="0">
+              <a:schemeClr val="accent1"/>
+            </a:effectRef>
+            <a:fontRef idx="minor">
+              <a:schemeClr val="tx1"/>
+            </a:fontRef>
+          </p:style>
+        </p:cxnSp>
+      </p:grpSp>
+    </p:spTree>
+    <p:extLst>
+      <p:ext uri="{BB962C8B-B14F-4D97-AF65-F5344CB8AC3E}">
+        <p14:creationId xmlns:p14="http://schemas.microsoft.com/office/powerpoint/2010/main" val="528136691"/>
+      </p:ext>
+    </p:extLst>
+  </p:cSld>
+  <p:clrMapOvr>
+    <a:masterClrMapping/>
+  </p:clrMapOvr>
+</p:sld>
+</file>
+
+<file path=ppt/slides/slide39.xml><?xml version="1.0" encoding="utf-8"?>
 <p:sld xmlns:a="http://schemas.openxmlformats.org/drawingml/2006/main" xmlns:r="http://schemas.openxmlformats.org/officeDocument/2006/relationships" xmlns:p="http://schemas.openxmlformats.org/presentationml/2006/main">
   <p:cSld>
     <p:spTree>
@@ -12472,552 +13608,6 @@
     <p:extLst>
       <p:ext uri="{BB962C8B-B14F-4D97-AF65-F5344CB8AC3E}">
         <p14:creationId xmlns:p14="http://schemas.microsoft.com/office/powerpoint/2010/main" val="810799039"/>
-      </p:ext>
-    </p:extLst>
-  </p:cSld>
-  <p:clrMapOvr>
-    <a:masterClrMapping/>
-  </p:clrMapOvr>
-</p:sld>
-</file>
-
-<file path=ppt/slides/slide35.xml><?xml version="1.0" encoding="utf-8"?>
-<p:sld xmlns:a="http://schemas.openxmlformats.org/drawingml/2006/main" xmlns:r="http://schemas.openxmlformats.org/officeDocument/2006/relationships" xmlns:p="http://schemas.openxmlformats.org/presentationml/2006/main">
-  <p:cSld>
-    <p:spTree>
-      <p:nvGrpSpPr>
-        <p:cNvPr id="1" name=""/>
-        <p:cNvGrpSpPr/>
-        <p:nvPr/>
-      </p:nvGrpSpPr>
-      <p:grpSpPr>
-        <a:xfrm>
-          <a:off x="0" y="0"/>
-          <a:ext cx="0" cy="0"/>
-          <a:chOff x="0" y="0"/>
-          <a:chExt cx="0" cy="0"/>
-        </a:xfrm>
-      </p:grpSpPr>
-      <p:grpSp>
-        <p:nvGrpSpPr>
-          <p:cNvPr id="12" name="그룹 11">
-            <a:extLst>
-              <a:ext uri="{FF2B5EF4-FFF2-40B4-BE49-F238E27FC236}">
-                <a16:creationId xmlns:a16="http://schemas.microsoft.com/office/drawing/2014/main" id="{926CA9D0-569B-4C45-ACF0-10D4AE65E202}"/>
-              </a:ext>
-            </a:extLst>
-          </p:cNvPr>
-          <p:cNvGrpSpPr/>
-          <p:nvPr/>
-        </p:nvGrpSpPr>
-        <p:grpSpPr>
-          <a:xfrm>
-            <a:off x="3907756" y="0"/>
-            <a:ext cx="4376487" cy="6858000"/>
-            <a:chOff x="3907756" y="0"/>
-            <a:chExt cx="4376487" cy="6858000"/>
-          </a:xfrm>
-        </p:grpSpPr>
-        <p:pic>
-          <p:nvPicPr>
-            <p:cNvPr id="5" name="그림 4">
-              <a:extLst>
-                <a:ext uri="{FF2B5EF4-FFF2-40B4-BE49-F238E27FC236}">
-                  <a16:creationId xmlns:a16="http://schemas.microsoft.com/office/drawing/2014/main" id="{AF78CFBC-A396-473D-8D06-00F4EE4DC490}"/>
-                </a:ext>
-              </a:extLst>
-            </p:cNvPr>
-            <p:cNvPicPr>
-              <a:picLocks noChangeAspect="1"/>
-            </p:cNvPicPr>
-            <p:nvPr/>
-          </p:nvPicPr>
-          <p:blipFill>
-            <a:blip r:embed="rId2"/>
-            <a:stretch>
-              <a:fillRect/>
-            </a:stretch>
-          </p:blipFill>
-          <p:spPr>
-            <a:xfrm>
-              <a:off x="3907756" y="0"/>
-              <a:ext cx="4376487" cy="6858000"/>
-            </a:xfrm>
-            <a:prstGeom prst="rect">
-              <a:avLst/>
-            </a:prstGeom>
-          </p:spPr>
-        </p:pic>
-        <p:sp>
-          <p:nvSpPr>
-            <p:cNvPr id="6" name="직사각형 5">
-              <a:extLst>
-                <a:ext uri="{FF2B5EF4-FFF2-40B4-BE49-F238E27FC236}">
-                  <a16:creationId xmlns:a16="http://schemas.microsoft.com/office/drawing/2014/main" id="{F24605CA-8556-43B4-95B2-6ACA481D6177}"/>
-                </a:ext>
-              </a:extLst>
-            </p:cNvPr>
-            <p:cNvSpPr/>
-            <p:nvPr/>
-          </p:nvSpPr>
-          <p:spPr>
-            <a:xfrm>
-              <a:off x="7258437" y="5817037"/>
-              <a:ext cx="721228" cy="297252"/>
-            </a:xfrm>
-            <a:prstGeom prst="rect">
-              <a:avLst/>
-            </a:prstGeom>
-            <a:noFill/>
-            <a:ln>
-              <a:solidFill>
-                <a:srgbClr val="FF0000"/>
-              </a:solidFill>
-            </a:ln>
-          </p:spPr>
-          <p:style>
-            <a:lnRef idx="2">
-              <a:schemeClr val="accent1">
-                <a:shade val="50000"/>
-              </a:schemeClr>
-            </a:lnRef>
-            <a:fillRef idx="1">
-              <a:schemeClr val="accent1"/>
-            </a:fillRef>
-            <a:effectRef idx="0">
-              <a:schemeClr val="accent1"/>
-            </a:effectRef>
-            <a:fontRef idx="minor">
-              <a:schemeClr val="lt1"/>
-            </a:fontRef>
-          </p:style>
-          <p:txBody>
-            <a:bodyPr rtlCol="0" anchor="ctr"/>
-            <a:lstStyle/>
-            <a:p>
-              <a:pPr algn="ctr"/>
-              <a:endParaRPr lang="ko-KR" altLang="en-US"/>
-            </a:p>
-          </p:txBody>
-        </p:sp>
-        <p:sp>
-          <p:nvSpPr>
-            <p:cNvPr id="7" name="TextBox 6">
-              <a:extLst>
-                <a:ext uri="{FF2B5EF4-FFF2-40B4-BE49-F238E27FC236}">
-                  <a16:creationId xmlns:a16="http://schemas.microsoft.com/office/drawing/2014/main" id="{CDADE785-2592-4A88-AC06-A43F29001C30}"/>
-                </a:ext>
-              </a:extLst>
-            </p:cNvPr>
-            <p:cNvSpPr txBox="1"/>
-            <p:nvPr/>
-          </p:nvSpPr>
-          <p:spPr>
-            <a:xfrm>
-              <a:off x="6982914" y="5817037"/>
-              <a:ext cx="216682" cy="276999"/>
-            </a:xfrm>
-            <a:prstGeom prst="rect">
-              <a:avLst/>
-            </a:prstGeom>
-            <a:noFill/>
-          </p:spPr>
-          <p:txBody>
-            <a:bodyPr wrap="square" rtlCol="0">
-              <a:spAutoFit/>
-            </a:bodyPr>
-            <a:lstStyle/>
-            <a:p>
-              <a:r>
-                <a:rPr lang="en-US" altLang="ko-KR" sz="1200">
-                  <a:solidFill>
-                    <a:srgbClr val="FF0000"/>
-                  </a:solidFill>
-                </a:rPr>
-                <a:t>1</a:t>
-              </a:r>
-              <a:endParaRPr lang="ko-KR" altLang="en-US" sz="1200">
-                <a:solidFill>
-                  <a:srgbClr val="FF0000"/>
-                </a:solidFill>
-              </a:endParaRPr>
-            </a:p>
-          </p:txBody>
-        </p:sp>
-        <p:sp>
-          <p:nvSpPr>
-            <p:cNvPr id="8" name="직사각형 7">
-              <a:extLst>
-                <a:ext uri="{FF2B5EF4-FFF2-40B4-BE49-F238E27FC236}">
-                  <a16:creationId xmlns:a16="http://schemas.microsoft.com/office/drawing/2014/main" id="{89540FEB-3316-4C80-A2DF-CF19AC0FC78C}"/>
-                </a:ext>
-              </a:extLst>
-            </p:cNvPr>
-            <p:cNvSpPr/>
-            <p:nvPr/>
-          </p:nvSpPr>
-          <p:spPr>
-            <a:xfrm>
-              <a:off x="4253108" y="873180"/>
-              <a:ext cx="3677787" cy="4369379"/>
-            </a:xfrm>
-            <a:prstGeom prst="rect">
-              <a:avLst/>
-            </a:prstGeom>
-            <a:noFill/>
-            <a:ln>
-              <a:solidFill>
-                <a:srgbClr val="FF0000"/>
-              </a:solidFill>
-            </a:ln>
-          </p:spPr>
-          <p:style>
-            <a:lnRef idx="2">
-              <a:schemeClr val="accent1">
-                <a:shade val="50000"/>
-              </a:schemeClr>
-            </a:lnRef>
-            <a:fillRef idx="1">
-              <a:schemeClr val="accent1"/>
-            </a:fillRef>
-            <a:effectRef idx="0">
-              <a:schemeClr val="accent1"/>
-            </a:effectRef>
-            <a:fontRef idx="minor">
-              <a:schemeClr val="lt1"/>
-            </a:fontRef>
-          </p:style>
-          <p:txBody>
-            <a:bodyPr rtlCol="0" anchor="ctr"/>
-            <a:lstStyle/>
-            <a:p>
-              <a:pPr algn="ctr"/>
-              <a:endParaRPr lang="ko-KR" altLang="en-US"/>
-            </a:p>
-          </p:txBody>
-        </p:sp>
-        <p:cxnSp>
-          <p:nvCxnSpPr>
-            <p:cNvPr id="9" name="직선 화살표 연결선 8">
-              <a:extLst>
-                <a:ext uri="{FF2B5EF4-FFF2-40B4-BE49-F238E27FC236}">
-                  <a16:creationId xmlns:a16="http://schemas.microsoft.com/office/drawing/2014/main" id="{E6DAF31D-E89E-491F-8724-2FC231B567E5}"/>
-                </a:ext>
-              </a:extLst>
-            </p:cNvPr>
-            <p:cNvCxnSpPr>
-              <a:cxnSpLocks/>
-            </p:cNvCxnSpPr>
-            <p:nvPr/>
-          </p:nvCxnSpPr>
-          <p:spPr>
-            <a:xfrm flipV="1">
-              <a:off x="7424928" y="5023104"/>
-              <a:ext cx="0" cy="793933"/>
-            </a:xfrm>
-            <a:prstGeom prst="straightConnector1">
-              <a:avLst/>
-            </a:prstGeom>
-            <a:ln w="12700">
-              <a:solidFill>
-                <a:srgbClr val="FF0000"/>
-              </a:solidFill>
-              <a:tailEnd type="triangle"/>
-            </a:ln>
-          </p:spPr>
-          <p:style>
-            <a:lnRef idx="1">
-              <a:schemeClr val="accent1"/>
-            </a:lnRef>
-            <a:fillRef idx="0">
-              <a:schemeClr val="accent1"/>
-            </a:fillRef>
-            <a:effectRef idx="0">
-              <a:schemeClr val="accent1"/>
-            </a:effectRef>
-            <a:fontRef idx="minor">
-              <a:schemeClr val="tx1"/>
-            </a:fontRef>
-          </p:style>
-        </p:cxnSp>
-      </p:grpSp>
-    </p:spTree>
-    <p:extLst>
-      <p:ext uri="{BB962C8B-B14F-4D97-AF65-F5344CB8AC3E}">
-        <p14:creationId xmlns:p14="http://schemas.microsoft.com/office/powerpoint/2010/main" val="3314320232"/>
-      </p:ext>
-    </p:extLst>
-  </p:cSld>
-  <p:clrMapOvr>
-    <a:masterClrMapping/>
-  </p:clrMapOvr>
-</p:sld>
-</file>
-
-<file path=ppt/slides/slide36.xml><?xml version="1.0" encoding="utf-8"?>
-<p:sld xmlns:a="http://schemas.openxmlformats.org/drawingml/2006/main" xmlns:r="http://schemas.openxmlformats.org/officeDocument/2006/relationships" xmlns:p="http://schemas.openxmlformats.org/presentationml/2006/main">
-  <p:cSld>
-    <p:spTree>
-      <p:nvGrpSpPr>
-        <p:cNvPr id="1" name=""/>
-        <p:cNvGrpSpPr/>
-        <p:nvPr/>
-      </p:nvGrpSpPr>
-      <p:grpSpPr>
-        <a:xfrm>
-          <a:off x="0" y="0"/>
-          <a:ext cx="0" cy="0"/>
-          <a:chOff x="0" y="0"/>
-          <a:chExt cx="0" cy="0"/>
-        </a:xfrm>
-      </p:grpSpPr>
-      <p:grpSp>
-        <p:nvGrpSpPr>
-          <p:cNvPr id="10" name="그룹 9">
-            <a:extLst>
-              <a:ext uri="{FF2B5EF4-FFF2-40B4-BE49-F238E27FC236}">
-                <a16:creationId xmlns:a16="http://schemas.microsoft.com/office/drawing/2014/main" id="{81649292-A804-494B-864B-9D738B739F12}"/>
-              </a:ext>
-            </a:extLst>
-          </p:cNvPr>
-          <p:cNvGrpSpPr/>
-          <p:nvPr/>
-        </p:nvGrpSpPr>
-        <p:grpSpPr>
-          <a:xfrm>
-            <a:off x="4132905" y="0"/>
-            <a:ext cx="3926189" cy="6858000"/>
-            <a:chOff x="4132905" y="0"/>
-            <a:chExt cx="3926189" cy="6858000"/>
-          </a:xfrm>
-        </p:grpSpPr>
-        <p:pic>
-          <p:nvPicPr>
-            <p:cNvPr id="5" name="그림 4">
-              <a:extLst>
-                <a:ext uri="{FF2B5EF4-FFF2-40B4-BE49-F238E27FC236}">
-                  <a16:creationId xmlns:a16="http://schemas.microsoft.com/office/drawing/2014/main" id="{78B78F11-7B49-4B14-950D-7A6E0BB1CBFC}"/>
-                </a:ext>
-              </a:extLst>
-            </p:cNvPr>
-            <p:cNvPicPr>
-              <a:picLocks noChangeAspect="1"/>
-            </p:cNvPicPr>
-            <p:nvPr/>
-          </p:nvPicPr>
-          <p:blipFill>
-            <a:blip r:embed="rId2"/>
-            <a:stretch>
-              <a:fillRect/>
-            </a:stretch>
-          </p:blipFill>
-          <p:spPr>
-            <a:xfrm>
-              <a:off x="4132905" y="0"/>
-              <a:ext cx="3926189" cy="6858000"/>
-            </a:xfrm>
-            <a:prstGeom prst="rect">
-              <a:avLst/>
-            </a:prstGeom>
-          </p:spPr>
-        </p:pic>
-        <p:sp>
-          <p:nvSpPr>
-            <p:cNvPr id="6" name="직사각형 5">
-              <a:extLst>
-                <a:ext uri="{FF2B5EF4-FFF2-40B4-BE49-F238E27FC236}">
-                  <a16:creationId xmlns:a16="http://schemas.microsoft.com/office/drawing/2014/main" id="{8E63D364-4C4C-41A9-BB73-C34A42696C4F}"/>
-                </a:ext>
-              </a:extLst>
-            </p:cNvPr>
-            <p:cNvSpPr/>
-            <p:nvPr/>
-          </p:nvSpPr>
-          <p:spPr>
-            <a:xfrm>
-              <a:off x="4564004" y="4622220"/>
-              <a:ext cx="3190107" cy="333827"/>
-            </a:xfrm>
-            <a:prstGeom prst="rect">
-              <a:avLst/>
-            </a:prstGeom>
-            <a:noFill/>
-            <a:ln>
-              <a:solidFill>
-                <a:srgbClr val="FF0000"/>
-              </a:solidFill>
-            </a:ln>
-          </p:spPr>
-          <p:style>
-            <a:lnRef idx="2">
-              <a:schemeClr val="accent1">
-                <a:shade val="50000"/>
-              </a:schemeClr>
-            </a:lnRef>
-            <a:fillRef idx="1">
-              <a:schemeClr val="accent1"/>
-            </a:fillRef>
-            <a:effectRef idx="0">
-              <a:schemeClr val="accent1"/>
-            </a:effectRef>
-            <a:fontRef idx="minor">
-              <a:schemeClr val="lt1"/>
-            </a:fontRef>
-          </p:style>
-          <p:txBody>
-            <a:bodyPr rtlCol="0" anchor="ctr"/>
-            <a:lstStyle/>
-            <a:p>
-              <a:pPr algn="ctr"/>
-              <a:endParaRPr lang="ko-KR" altLang="en-US"/>
-            </a:p>
-          </p:txBody>
-        </p:sp>
-        <p:sp>
-          <p:nvSpPr>
-            <p:cNvPr id="7" name="TextBox 6">
-              <a:extLst>
-                <a:ext uri="{FF2B5EF4-FFF2-40B4-BE49-F238E27FC236}">
-                  <a16:creationId xmlns:a16="http://schemas.microsoft.com/office/drawing/2014/main" id="{75840E5B-4D5C-4B20-9794-402BC3A216DB}"/>
-                </a:ext>
-              </a:extLst>
-            </p:cNvPr>
-            <p:cNvSpPr txBox="1"/>
-            <p:nvPr/>
-          </p:nvSpPr>
-          <p:spPr>
-            <a:xfrm>
-              <a:off x="4347322" y="4622220"/>
-              <a:ext cx="216682" cy="276999"/>
-            </a:xfrm>
-            <a:prstGeom prst="rect">
-              <a:avLst/>
-            </a:prstGeom>
-            <a:noFill/>
-          </p:spPr>
-          <p:txBody>
-            <a:bodyPr wrap="square" rtlCol="0">
-              <a:spAutoFit/>
-            </a:bodyPr>
-            <a:lstStyle/>
-            <a:p>
-              <a:r>
-                <a:rPr lang="en-US" altLang="ko-KR" sz="1200">
-                  <a:solidFill>
-                    <a:srgbClr val="FF0000"/>
-                  </a:solidFill>
-                </a:rPr>
-                <a:t>1</a:t>
-              </a:r>
-              <a:endParaRPr lang="ko-KR" altLang="en-US" sz="1200">
-                <a:solidFill>
-                  <a:srgbClr val="FF0000"/>
-                </a:solidFill>
-              </a:endParaRPr>
-            </a:p>
-          </p:txBody>
-        </p:sp>
-        <p:sp>
-          <p:nvSpPr>
-            <p:cNvPr id="8" name="직사각형 7">
-              <a:extLst>
-                <a:ext uri="{FF2B5EF4-FFF2-40B4-BE49-F238E27FC236}">
-                  <a16:creationId xmlns:a16="http://schemas.microsoft.com/office/drawing/2014/main" id="{A914F6DF-9490-4668-A370-6975B79A368A}"/>
-                </a:ext>
-              </a:extLst>
-            </p:cNvPr>
-            <p:cNvSpPr/>
-            <p:nvPr/>
-          </p:nvSpPr>
-          <p:spPr>
-            <a:xfrm>
-              <a:off x="4571049" y="818317"/>
-              <a:ext cx="3049900" cy="3643956"/>
-            </a:xfrm>
-            <a:prstGeom prst="rect">
-              <a:avLst/>
-            </a:prstGeom>
-            <a:noFill/>
-            <a:ln>
-              <a:solidFill>
-                <a:srgbClr val="FF0000"/>
-              </a:solidFill>
-            </a:ln>
-          </p:spPr>
-          <p:style>
-            <a:lnRef idx="2">
-              <a:schemeClr val="accent1">
-                <a:shade val="50000"/>
-              </a:schemeClr>
-            </a:lnRef>
-            <a:fillRef idx="1">
-              <a:schemeClr val="accent1"/>
-            </a:fillRef>
-            <a:effectRef idx="0">
-              <a:schemeClr val="accent1"/>
-            </a:effectRef>
-            <a:fontRef idx="minor">
-              <a:schemeClr val="lt1"/>
-            </a:fontRef>
-          </p:style>
-          <p:txBody>
-            <a:bodyPr rtlCol="0" anchor="ctr"/>
-            <a:lstStyle/>
-            <a:p>
-              <a:pPr algn="ctr"/>
-              <a:endParaRPr lang="ko-KR" altLang="en-US"/>
-            </a:p>
-          </p:txBody>
-        </p:sp>
-        <p:cxnSp>
-          <p:nvCxnSpPr>
-            <p:cNvPr id="9" name="직선 화살표 연결선 8">
-              <a:extLst>
-                <a:ext uri="{FF2B5EF4-FFF2-40B4-BE49-F238E27FC236}">
-                  <a16:creationId xmlns:a16="http://schemas.microsoft.com/office/drawing/2014/main" id="{FBFDEC6E-268D-48A8-8229-FCE0224B7FA0}"/>
-                </a:ext>
-              </a:extLst>
-            </p:cNvPr>
-            <p:cNvCxnSpPr>
-              <a:cxnSpLocks/>
-            </p:cNvCxnSpPr>
-            <p:nvPr/>
-          </p:nvCxnSpPr>
-          <p:spPr>
-            <a:xfrm flipV="1">
-              <a:off x="6626352" y="3962400"/>
-              <a:ext cx="0" cy="793933"/>
-            </a:xfrm>
-            <a:prstGeom prst="straightConnector1">
-              <a:avLst/>
-            </a:prstGeom>
-            <a:ln w="12700">
-              <a:solidFill>
-                <a:srgbClr val="FF0000"/>
-              </a:solidFill>
-              <a:tailEnd type="triangle"/>
-            </a:ln>
-          </p:spPr>
-          <p:style>
-            <a:lnRef idx="1">
-              <a:schemeClr val="accent1"/>
-            </a:lnRef>
-            <a:fillRef idx="0">
-              <a:schemeClr val="accent1"/>
-            </a:fillRef>
-            <a:effectRef idx="0">
-              <a:schemeClr val="accent1"/>
-            </a:effectRef>
-            <a:fontRef idx="minor">
-              <a:schemeClr val="tx1"/>
-            </a:fontRef>
-          </p:style>
-        </p:cxnSp>
-      </p:grpSp>
-    </p:spTree>
-    <p:extLst>
-      <p:ext uri="{BB962C8B-B14F-4D97-AF65-F5344CB8AC3E}">
-        <p14:creationId xmlns:p14="http://schemas.microsoft.com/office/powerpoint/2010/main" val="983292383"/>
       </p:ext>
     </p:extLst>
   </p:cSld>
@@ -13195,6 +13785,672 @@
     <p:extLst>
       <p:ext uri="{BB962C8B-B14F-4D97-AF65-F5344CB8AC3E}">
         <p14:creationId xmlns:p14="http://schemas.microsoft.com/office/powerpoint/2010/main" val="2230751932"/>
+      </p:ext>
+    </p:extLst>
+  </p:cSld>
+  <p:clrMapOvr>
+    <a:masterClrMapping/>
+  </p:clrMapOvr>
+</p:sld>
+</file>
+
+<file path=ppt/slides/slide40.xml><?xml version="1.0" encoding="utf-8"?>
+<p:sld xmlns:a="http://schemas.openxmlformats.org/drawingml/2006/main" xmlns:r="http://schemas.openxmlformats.org/officeDocument/2006/relationships" xmlns:p="http://schemas.openxmlformats.org/presentationml/2006/main">
+  <p:cSld>
+    <p:spTree>
+      <p:nvGrpSpPr>
+        <p:cNvPr id="1" name=""/>
+        <p:cNvGrpSpPr/>
+        <p:nvPr/>
+      </p:nvGrpSpPr>
+      <p:grpSpPr>
+        <a:xfrm>
+          <a:off x="0" y="0"/>
+          <a:ext cx="0" cy="0"/>
+          <a:chOff x="0" y="0"/>
+          <a:chExt cx="0" cy="0"/>
+        </a:xfrm>
+      </p:grpSpPr>
+      <p:grpSp>
+        <p:nvGrpSpPr>
+          <p:cNvPr id="12" name="그룹 11">
+            <a:extLst>
+              <a:ext uri="{FF2B5EF4-FFF2-40B4-BE49-F238E27FC236}">
+                <a16:creationId xmlns:a16="http://schemas.microsoft.com/office/drawing/2014/main" id="{926CA9D0-569B-4C45-ACF0-10D4AE65E202}"/>
+              </a:ext>
+            </a:extLst>
+          </p:cNvPr>
+          <p:cNvGrpSpPr/>
+          <p:nvPr/>
+        </p:nvGrpSpPr>
+        <p:grpSpPr>
+          <a:xfrm>
+            <a:off x="3907756" y="0"/>
+            <a:ext cx="4376487" cy="6858000"/>
+            <a:chOff x="3907756" y="0"/>
+            <a:chExt cx="4376487" cy="6858000"/>
+          </a:xfrm>
+        </p:grpSpPr>
+        <p:pic>
+          <p:nvPicPr>
+            <p:cNvPr id="5" name="그림 4">
+              <a:extLst>
+                <a:ext uri="{FF2B5EF4-FFF2-40B4-BE49-F238E27FC236}">
+                  <a16:creationId xmlns:a16="http://schemas.microsoft.com/office/drawing/2014/main" id="{AF78CFBC-A396-473D-8D06-00F4EE4DC490}"/>
+                </a:ext>
+              </a:extLst>
+            </p:cNvPr>
+            <p:cNvPicPr>
+              <a:picLocks noChangeAspect="1"/>
+            </p:cNvPicPr>
+            <p:nvPr/>
+          </p:nvPicPr>
+          <p:blipFill>
+            <a:blip r:embed="rId2"/>
+            <a:stretch>
+              <a:fillRect/>
+            </a:stretch>
+          </p:blipFill>
+          <p:spPr>
+            <a:xfrm>
+              <a:off x="3907756" y="0"/>
+              <a:ext cx="4376487" cy="6858000"/>
+            </a:xfrm>
+            <a:prstGeom prst="rect">
+              <a:avLst/>
+            </a:prstGeom>
+          </p:spPr>
+        </p:pic>
+        <p:sp>
+          <p:nvSpPr>
+            <p:cNvPr id="6" name="직사각형 5">
+              <a:extLst>
+                <a:ext uri="{FF2B5EF4-FFF2-40B4-BE49-F238E27FC236}">
+                  <a16:creationId xmlns:a16="http://schemas.microsoft.com/office/drawing/2014/main" id="{F24605CA-8556-43B4-95B2-6ACA481D6177}"/>
+                </a:ext>
+              </a:extLst>
+            </p:cNvPr>
+            <p:cNvSpPr/>
+            <p:nvPr/>
+          </p:nvSpPr>
+          <p:spPr>
+            <a:xfrm>
+              <a:off x="7258437" y="5817037"/>
+              <a:ext cx="721228" cy="297252"/>
+            </a:xfrm>
+            <a:prstGeom prst="rect">
+              <a:avLst/>
+            </a:prstGeom>
+            <a:noFill/>
+            <a:ln>
+              <a:solidFill>
+                <a:srgbClr val="FF0000"/>
+              </a:solidFill>
+            </a:ln>
+          </p:spPr>
+          <p:style>
+            <a:lnRef idx="2">
+              <a:schemeClr val="accent1">
+                <a:shade val="50000"/>
+              </a:schemeClr>
+            </a:lnRef>
+            <a:fillRef idx="1">
+              <a:schemeClr val="accent1"/>
+            </a:fillRef>
+            <a:effectRef idx="0">
+              <a:schemeClr val="accent1"/>
+            </a:effectRef>
+            <a:fontRef idx="minor">
+              <a:schemeClr val="lt1"/>
+            </a:fontRef>
+          </p:style>
+          <p:txBody>
+            <a:bodyPr rtlCol="0" anchor="ctr"/>
+            <a:lstStyle/>
+            <a:p>
+              <a:pPr algn="ctr"/>
+              <a:endParaRPr lang="ko-KR" altLang="en-US"/>
+            </a:p>
+          </p:txBody>
+        </p:sp>
+        <p:sp>
+          <p:nvSpPr>
+            <p:cNvPr id="7" name="TextBox 6">
+              <a:extLst>
+                <a:ext uri="{FF2B5EF4-FFF2-40B4-BE49-F238E27FC236}">
+                  <a16:creationId xmlns:a16="http://schemas.microsoft.com/office/drawing/2014/main" id="{CDADE785-2592-4A88-AC06-A43F29001C30}"/>
+                </a:ext>
+              </a:extLst>
+            </p:cNvPr>
+            <p:cNvSpPr txBox="1"/>
+            <p:nvPr/>
+          </p:nvSpPr>
+          <p:spPr>
+            <a:xfrm>
+              <a:off x="6982914" y="5817037"/>
+              <a:ext cx="216682" cy="276999"/>
+            </a:xfrm>
+            <a:prstGeom prst="rect">
+              <a:avLst/>
+            </a:prstGeom>
+            <a:noFill/>
+          </p:spPr>
+          <p:txBody>
+            <a:bodyPr wrap="square" rtlCol="0">
+              <a:spAutoFit/>
+            </a:bodyPr>
+            <a:lstStyle/>
+            <a:p>
+              <a:r>
+                <a:rPr lang="en-US" altLang="ko-KR" sz="1200">
+                  <a:solidFill>
+                    <a:srgbClr val="FF0000"/>
+                  </a:solidFill>
+                </a:rPr>
+                <a:t>1</a:t>
+              </a:r>
+              <a:endParaRPr lang="ko-KR" altLang="en-US" sz="1200">
+                <a:solidFill>
+                  <a:srgbClr val="FF0000"/>
+                </a:solidFill>
+              </a:endParaRPr>
+            </a:p>
+          </p:txBody>
+        </p:sp>
+        <p:sp>
+          <p:nvSpPr>
+            <p:cNvPr id="8" name="직사각형 7">
+              <a:extLst>
+                <a:ext uri="{FF2B5EF4-FFF2-40B4-BE49-F238E27FC236}">
+                  <a16:creationId xmlns:a16="http://schemas.microsoft.com/office/drawing/2014/main" id="{89540FEB-3316-4C80-A2DF-CF19AC0FC78C}"/>
+                </a:ext>
+              </a:extLst>
+            </p:cNvPr>
+            <p:cNvSpPr/>
+            <p:nvPr/>
+          </p:nvSpPr>
+          <p:spPr>
+            <a:xfrm>
+              <a:off x="4253108" y="873180"/>
+              <a:ext cx="3677787" cy="4369379"/>
+            </a:xfrm>
+            <a:prstGeom prst="rect">
+              <a:avLst/>
+            </a:prstGeom>
+            <a:noFill/>
+            <a:ln>
+              <a:solidFill>
+                <a:srgbClr val="FF0000"/>
+              </a:solidFill>
+            </a:ln>
+          </p:spPr>
+          <p:style>
+            <a:lnRef idx="2">
+              <a:schemeClr val="accent1">
+                <a:shade val="50000"/>
+              </a:schemeClr>
+            </a:lnRef>
+            <a:fillRef idx="1">
+              <a:schemeClr val="accent1"/>
+            </a:fillRef>
+            <a:effectRef idx="0">
+              <a:schemeClr val="accent1"/>
+            </a:effectRef>
+            <a:fontRef idx="minor">
+              <a:schemeClr val="lt1"/>
+            </a:fontRef>
+          </p:style>
+          <p:txBody>
+            <a:bodyPr rtlCol="0" anchor="ctr"/>
+            <a:lstStyle/>
+            <a:p>
+              <a:pPr algn="ctr"/>
+              <a:endParaRPr lang="ko-KR" altLang="en-US"/>
+            </a:p>
+          </p:txBody>
+        </p:sp>
+        <p:cxnSp>
+          <p:nvCxnSpPr>
+            <p:cNvPr id="9" name="직선 화살표 연결선 8">
+              <a:extLst>
+                <a:ext uri="{FF2B5EF4-FFF2-40B4-BE49-F238E27FC236}">
+                  <a16:creationId xmlns:a16="http://schemas.microsoft.com/office/drawing/2014/main" id="{E6DAF31D-E89E-491F-8724-2FC231B567E5}"/>
+                </a:ext>
+              </a:extLst>
+            </p:cNvPr>
+            <p:cNvCxnSpPr>
+              <a:cxnSpLocks/>
+            </p:cNvCxnSpPr>
+            <p:nvPr/>
+          </p:nvCxnSpPr>
+          <p:spPr>
+            <a:xfrm flipV="1">
+              <a:off x="7424928" y="5023104"/>
+              <a:ext cx="0" cy="793933"/>
+            </a:xfrm>
+            <a:prstGeom prst="straightConnector1">
+              <a:avLst/>
+            </a:prstGeom>
+            <a:ln w="12700">
+              <a:solidFill>
+                <a:srgbClr val="FF0000"/>
+              </a:solidFill>
+              <a:tailEnd type="triangle"/>
+            </a:ln>
+          </p:spPr>
+          <p:style>
+            <a:lnRef idx="1">
+              <a:schemeClr val="accent1"/>
+            </a:lnRef>
+            <a:fillRef idx="0">
+              <a:schemeClr val="accent1"/>
+            </a:fillRef>
+            <a:effectRef idx="0">
+              <a:schemeClr val="accent1"/>
+            </a:effectRef>
+            <a:fontRef idx="minor">
+              <a:schemeClr val="tx1"/>
+            </a:fontRef>
+          </p:style>
+        </p:cxnSp>
+      </p:grpSp>
+    </p:spTree>
+    <p:extLst>
+      <p:ext uri="{BB962C8B-B14F-4D97-AF65-F5344CB8AC3E}">
+        <p14:creationId xmlns:p14="http://schemas.microsoft.com/office/powerpoint/2010/main" val="3314320232"/>
+      </p:ext>
+    </p:extLst>
+  </p:cSld>
+  <p:clrMapOvr>
+    <a:masterClrMapping/>
+  </p:clrMapOvr>
+</p:sld>
+</file>
+
+<file path=ppt/slides/slide41.xml><?xml version="1.0" encoding="utf-8"?>
+<p:sld xmlns:a="http://schemas.openxmlformats.org/drawingml/2006/main" xmlns:r="http://schemas.openxmlformats.org/officeDocument/2006/relationships" xmlns:p="http://schemas.openxmlformats.org/presentationml/2006/main">
+  <p:cSld>
+    <p:spTree>
+      <p:nvGrpSpPr>
+        <p:cNvPr id="1" name=""/>
+        <p:cNvGrpSpPr/>
+        <p:nvPr/>
+      </p:nvGrpSpPr>
+      <p:grpSpPr>
+        <a:xfrm>
+          <a:off x="0" y="0"/>
+          <a:ext cx="0" cy="0"/>
+          <a:chOff x="0" y="0"/>
+          <a:chExt cx="0" cy="0"/>
+        </a:xfrm>
+      </p:grpSpPr>
+      <p:grpSp>
+        <p:nvGrpSpPr>
+          <p:cNvPr id="10" name="그룹 9">
+            <a:extLst>
+              <a:ext uri="{FF2B5EF4-FFF2-40B4-BE49-F238E27FC236}">
+                <a16:creationId xmlns:a16="http://schemas.microsoft.com/office/drawing/2014/main" id="{81649292-A804-494B-864B-9D738B739F12}"/>
+              </a:ext>
+            </a:extLst>
+          </p:cNvPr>
+          <p:cNvGrpSpPr/>
+          <p:nvPr/>
+        </p:nvGrpSpPr>
+        <p:grpSpPr>
+          <a:xfrm>
+            <a:off x="4132905" y="0"/>
+            <a:ext cx="3926189" cy="6858000"/>
+            <a:chOff x="4132905" y="0"/>
+            <a:chExt cx="3926189" cy="6858000"/>
+          </a:xfrm>
+        </p:grpSpPr>
+        <p:pic>
+          <p:nvPicPr>
+            <p:cNvPr id="5" name="그림 4">
+              <a:extLst>
+                <a:ext uri="{FF2B5EF4-FFF2-40B4-BE49-F238E27FC236}">
+                  <a16:creationId xmlns:a16="http://schemas.microsoft.com/office/drawing/2014/main" id="{78B78F11-7B49-4B14-950D-7A6E0BB1CBFC}"/>
+                </a:ext>
+              </a:extLst>
+            </p:cNvPr>
+            <p:cNvPicPr>
+              <a:picLocks noChangeAspect="1"/>
+            </p:cNvPicPr>
+            <p:nvPr/>
+          </p:nvPicPr>
+          <p:blipFill>
+            <a:blip r:embed="rId2"/>
+            <a:stretch>
+              <a:fillRect/>
+            </a:stretch>
+          </p:blipFill>
+          <p:spPr>
+            <a:xfrm>
+              <a:off x="4132905" y="0"/>
+              <a:ext cx="3926189" cy="6858000"/>
+            </a:xfrm>
+            <a:prstGeom prst="rect">
+              <a:avLst/>
+            </a:prstGeom>
+          </p:spPr>
+        </p:pic>
+        <p:sp>
+          <p:nvSpPr>
+            <p:cNvPr id="6" name="직사각형 5">
+              <a:extLst>
+                <a:ext uri="{FF2B5EF4-FFF2-40B4-BE49-F238E27FC236}">
+                  <a16:creationId xmlns:a16="http://schemas.microsoft.com/office/drawing/2014/main" id="{8E63D364-4C4C-41A9-BB73-C34A42696C4F}"/>
+                </a:ext>
+              </a:extLst>
+            </p:cNvPr>
+            <p:cNvSpPr/>
+            <p:nvPr/>
+          </p:nvSpPr>
+          <p:spPr>
+            <a:xfrm>
+              <a:off x="4564004" y="4622220"/>
+              <a:ext cx="3190107" cy="333827"/>
+            </a:xfrm>
+            <a:prstGeom prst="rect">
+              <a:avLst/>
+            </a:prstGeom>
+            <a:noFill/>
+            <a:ln>
+              <a:solidFill>
+                <a:srgbClr val="FF0000"/>
+              </a:solidFill>
+            </a:ln>
+          </p:spPr>
+          <p:style>
+            <a:lnRef idx="2">
+              <a:schemeClr val="accent1">
+                <a:shade val="50000"/>
+              </a:schemeClr>
+            </a:lnRef>
+            <a:fillRef idx="1">
+              <a:schemeClr val="accent1"/>
+            </a:fillRef>
+            <a:effectRef idx="0">
+              <a:schemeClr val="accent1"/>
+            </a:effectRef>
+            <a:fontRef idx="minor">
+              <a:schemeClr val="lt1"/>
+            </a:fontRef>
+          </p:style>
+          <p:txBody>
+            <a:bodyPr rtlCol="0" anchor="ctr"/>
+            <a:lstStyle/>
+            <a:p>
+              <a:pPr algn="ctr"/>
+              <a:endParaRPr lang="ko-KR" altLang="en-US"/>
+            </a:p>
+          </p:txBody>
+        </p:sp>
+        <p:sp>
+          <p:nvSpPr>
+            <p:cNvPr id="7" name="TextBox 6">
+              <a:extLst>
+                <a:ext uri="{FF2B5EF4-FFF2-40B4-BE49-F238E27FC236}">
+                  <a16:creationId xmlns:a16="http://schemas.microsoft.com/office/drawing/2014/main" id="{75840E5B-4D5C-4B20-9794-402BC3A216DB}"/>
+                </a:ext>
+              </a:extLst>
+            </p:cNvPr>
+            <p:cNvSpPr txBox="1"/>
+            <p:nvPr/>
+          </p:nvSpPr>
+          <p:spPr>
+            <a:xfrm>
+              <a:off x="4347322" y="4622220"/>
+              <a:ext cx="216682" cy="276999"/>
+            </a:xfrm>
+            <a:prstGeom prst="rect">
+              <a:avLst/>
+            </a:prstGeom>
+            <a:noFill/>
+          </p:spPr>
+          <p:txBody>
+            <a:bodyPr wrap="square" rtlCol="0">
+              <a:spAutoFit/>
+            </a:bodyPr>
+            <a:lstStyle/>
+            <a:p>
+              <a:r>
+                <a:rPr lang="en-US" altLang="ko-KR" sz="1200">
+                  <a:solidFill>
+                    <a:srgbClr val="FF0000"/>
+                  </a:solidFill>
+                </a:rPr>
+                <a:t>1</a:t>
+              </a:r>
+              <a:endParaRPr lang="ko-KR" altLang="en-US" sz="1200">
+                <a:solidFill>
+                  <a:srgbClr val="FF0000"/>
+                </a:solidFill>
+              </a:endParaRPr>
+            </a:p>
+          </p:txBody>
+        </p:sp>
+        <p:sp>
+          <p:nvSpPr>
+            <p:cNvPr id="8" name="직사각형 7">
+              <a:extLst>
+                <a:ext uri="{FF2B5EF4-FFF2-40B4-BE49-F238E27FC236}">
+                  <a16:creationId xmlns:a16="http://schemas.microsoft.com/office/drawing/2014/main" id="{A914F6DF-9490-4668-A370-6975B79A368A}"/>
+                </a:ext>
+              </a:extLst>
+            </p:cNvPr>
+            <p:cNvSpPr/>
+            <p:nvPr/>
+          </p:nvSpPr>
+          <p:spPr>
+            <a:xfrm>
+              <a:off x="4571049" y="818317"/>
+              <a:ext cx="3049900" cy="3643956"/>
+            </a:xfrm>
+            <a:prstGeom prst="rect">
+              <a:avLst/>
+            </a:prstGeom>
+            <a:noFill/>
+            <a:ln>
+              <a:solidFill>
+                <a:srgbClr val="FF0000"/>
+              </a:solidFill>
+            </a:ln>
+          </p:spPr>
+          <p:style>
+            <a:lnRef idx="2">
+              <a:schemeClr val="accent1">
+                <a:shade val="50000"/>
+              </a:schemeClr>
+            </a:lnRef>
+            <a:fillRef idx="1">
+              <a:schemeClr val="accent1"/>
+            </a:fillRef>
+            <a:effectRef idx="0">
+              <a:schemeClr val="accent1"/>
+            </a:effectRef>
+            <a:fontRef idx="minor">
+              <a:schemeClr val="lt1"/>
+            </a:fontRef>
+          </p:style>
+          <p:txBody>
+            <a:bodyPr rtlCol="0" anchor="ctr"/>
+            <a:lstStyle/>
+            <a:p>
+              <a:pPr algn="ctr"/>
+              <a:endParaRPr lang="ko-KR" altLang="en-US"/>
+            </a:p>
+          </p:txBody>
+        </p:sp>
+        <p:cxnSp>
+          <p:nvCxnSpPr>
+            <p:cNvPr id="9" name="직선 화살표 연결선 8">
+              <a:extLst>
+                <a:ext uri="{FF2B5EF4-FFF2-40B4-BE49-F238E27FC236}">
+                  <a16:creationId xmlns:a16="http://schemas.microsoft.com/office/drawing/2014/main" id="{FBFDEC6E-268D-48A8-8229-FCE0224B7FA0}"/>
+                </a:ext>
+              </a:extLst>
+            </p:cNvPr>
+            <p:cNvCxnSpPr>
+              <a:cxnSpLocks/>
+            </p:cNvCxnSpPr>
+            <p:nvPr/>
+          </p:nvCxnSpPr>
+          <p:spPr>
+            <a:xfrm flipV="1">
+              <a:off x="6626352" y="3962400"/>
+              <a:ext cx="0" cy="793933"/>
+            </a:xfrm>
+            <a:prstGeom prst="straightConnector1">
+              <a:avLst/>
+            </a:prstGeom>
+            <a:ln w="12700">
+              <a:solidFill>
+                <a:srgbClr val="FF0000"/>
+              </a:solidFill>
+              <a:tailEnd type="triangle"/>
+            </a:ln>
+          </p:spPr>
+          <p:style>
+            <a:lnRef idx="1">
+              <a:schemeClr val="accent1"/>
+            </a:lnRef>
+            <a:fillRef idx="0">
+              <a:schemeClr val="accent1"/>
+            </a:fillRef>
+            <a:effectRef idx="0">
+              <a:schemeClr val="accent1"/>
+            </a:effectRef>
+            <a:fontRef idx="minor">
+              <a:schemeClr val="tx1"/>
+            </a:fontRef>
+          </p:style>
+        </p:cxnSp>
+      </p:grpSp>
+    </p:spTree>
+    <p:extLst>
+      <p:ext uri="{BB962C8B-B14F-4D97-AF65-F5344CB8AC3E}">
+        <p14:creationId xmlns:p14="http://schemas.microsoft.com/office/powerpoint/2010/main" val="983292383"/>
+      </p:ext>
+    </p:extLst>
+  </p:cSld>
+  <p:clrMapOvr>
+    <a:masterClrMapping/>
+  </p:clrMapOvr>
+</p:sld>
+</file>
+
+<file path=ppt/slides/slide42.xml><?xml version="1.0" encoding="utf-8"?>
+<p:sld xmlns:a="http://schemas.openxmlformats.org/drawingml/2006/main" xmlns:r="http://schemas.openxmlformats.org/officeDocument/2006/relationships" xmlns:p="http://schemas.openxmlformats.org/presentationml/2006/main">
+  <p:cSld>
+    <p:spTree>
+      <p:nvGrpSpPr>
+        <p:cNvPr id="1" name=""/>
+        <p:cNvGrpSpPr/>
+        <p:nvPr/>
+      </p:nvGrpSpPr>
+      <p:grpSpPr>
+        <a:xfrm>
+          <a:off x="0" y="0"/>
+          <a:ext cx="0" cy="0"/>
+          <a:chOff x="0" y="0"/>
+          <a:chExt cx="0" cy="0"/>
+        </a:xfrm>
+      </p:grpSpPr>
+      <p:pic>
+        <p:nvPicPr>
+          <p:cNvPr id="5" name="그림 4">
+            <a:extLst>
+              <a:ext uri="{FF2B5EF4-FFF2-40B4-BE49-F238E27FC236}">
+                <a16:creationId xmlns:a16="http://schemas.microsoft.com/office/drawing/2014/main" id="{F1AC889D-EDD4-4B5B-B4A1-D07EF5E6BF3D}"/>
+              </a:ext>
+            </a:extLst>
+          </p:cNvPr>
+          <p:cNvPicPr>
+            <a:picLocks noChangeAspect="1"/>
+          </p:cNvPicPr>
+          <p:nvPr/>
+        </p:nvPicPr>
+        <p:blipFill>
+          <a:blip r:embed="rId2"/>
+          <a:stretch>
+            <a:fillRect/>
+          </a:stretch>
+        </p:blipFill>
+        <p:spPr>
+          <a:xfrm>
+            <a:off x="1984106" y="0"/>
+            <a:ext cx="8223788" cy="6858000"/>
+          </a:xfrm>
+          <a:prstGeom prst="rect">
+            <a:avLst/>
+          </a:prstGeom>
+        </p:spPr>
+      </p:pic>
+    </p:spTree>
+    <p:extLst>
+      <p:ext uri="{BB962C8B-B14F-4D97-AF65-F5344CB8AC3E}">
+        <p14:creationId xmlns:p14="http://schemas.microsoft.com/office/powerpoint/2010/main" val="2638438423"/>
+      </p:ext>
+    </p:extLst>
+  </p:cSld>
+  <p:clrMapOvr>
+    <a:masterClrMapping/>
+  </p:clrMapOvr>
+</p:sld>
+</file>
+
+<file path=ppt/slides/slide43.xml><?xml version="1.0" encoding="utf-8"?>
+<p:sld xmlns:a="http://schemas.openxmlformats.org/drawingml/2006/main" xmlns:r="http://schemas.openxmlformats.org/officeDocument/2006/relationships" xmlns:p="http://schemas.openxmlformats.org/presentationml/2006/main">
+  <p:cSld>
+    <p:spTree>
+      <p:nvGrpSpPr>
+        <p:cNvPr id="1" name=""/>
+        <p:cNvGrpSpPr/>
+        <p:nvPr/>
+      </p:nvGrpSpPr>
+      <p:grpSpPr>
+        <a:xfrm>
+          <a:off x="0" y="0"/>
+          <a:ext cx="0" cy="0"/>
+          <a:chOff x="0" y="0"/>
+          <a:chExt cx="0" cy="0"/>
+        </a:xfrm>
+      </p:grpSpPr>
+      <p:pic>
+        <p:nvPicPr>
+          <p:cNvPr id="5" name="그림 4">
+            <a:extLst>
+              <a:ext uri="{FF2B5EF4-FFF2-40B4-BE49-F238E27FC236}">
+                <a16:creationId xmlns:a16="http://schemas.microsoft.com/office/drawing/2014/main" id="{DAA9ED72-744A-4EE6-9455-C0973DBE4EF2}"/>
+              </a:ext>
+            </a:extLst>
+          </p:cNvPr>
+          <p:cNvPicPr>
+            <a:picLocks noChangeAspect="1"/>
+          </p:cNvPicPr>
+          <p:nvPr/>
+        </p:nvPicPr>
+        <p:blipFill>
+          <a:blip r:embed="rId2"/>
+          <a:stretch>
+            <a:fillRect/>
+          </a:stretch>
+        </p:blipFill>
+        <p:spPr>
+          <a:xfrm>
+            <a:off x="2097995" y="0"/>
+            <a:ext cx="7996009" cy="6858000"/>
+          </a:xfrm>
+          <a:prstGeom prst="rect">
+            <a:avLst/>
+          </a:prstGeom>
+        </p:spPr>
+      </p:pic>
+    </p:spTree>
+    <p:extLst>
+      <p:ext uri="{BB962C8B-B14F-4D97-AF65-F5344CB8AC3E}">
+        <p14:creationId xmlns:p14="http://schemas.microsoft.com/office/powerpoint/2010/main" val="2789116194"/>
       </p:ext>
     </p:extLst>
   </p:cSld>
